--- a/Exercises/20245360_CHUNG_QUANG_KHANH_HW#8/Term_Project.pptx
+++ b/Exercises/20245360_CHUNG_QUANG_KHANH_HW#8/Term_Project.pptx
@@ -3336,7 +3336,7 @@
           <a:p>
             <a:fld id="{A6FF4BB7-400C-47DC-9549-A0243A7AD47A}" type="datetimeFigureOut">
               <a:rPr lang="en-US" smtClean="0"/>
-              <a:t>2024-12-06</a:t>
+              <a:t>2024-12-09</a:t>
             </a:fld>
             <a:endParaRPr lang="en-US"/>
           </a:p>
@@ -4779,7 +4779,7 @@
               <a:pPr>
                 <a:defRPr/>
               </a:pPr>
-              <a:t>2024-12-06</a:t>
+              <a:t>2024-12-09</a:t>
             </a:fld>
             <a:endParaRPr lang="ko-KR" altLang="en-US"/>
           </a:p>
@@ -4984,7 +4984,7 @@
               <a:pPr>
                 <a:defRPr/>
               </a:pPr>
-              <a:t>2024-12-06</a:t>
+              <a:t>2024-12-09</a:t>
             </a:fld>
             <a:endParaRPr lang="ko-KR" altLang="en-US"/>
           </a:p>
@@ -5534,7 +5534,7 @@
               <a:pPr>
                 <a:defRPr/>
               </a:pPr>
-              <a:t>2024-12-06</a:t>
+              <a:t>2024-12-09</a:t>
             </a:fld>
             <a:endParaRPr lang="ko-KR" altLang="en-US"/>
           </a:p>
@@ -5846,7 +5846,7 @@
               <a:pPr>
                 <a:defRPr/>
               </a:pPr>
-              <a:t>2024-12-06</a:t>
+              <a:t>2024-12-09</a:t>
             </a:fld>
             <a:endParaRPr lang="ko-KR" altLang="en-US"/>
           </a:p>
@@ -6292,7 +6292,7 @@
               <a:pPr>
                 <a:defRPr/>
               </a:pPr>
-              <a:t>2024-12-06</a:t>
+              <a:t>2024-12-09</a:t>
             </a:fld>
             <a:endParaRPr lang="ko-KR" altLang="en-US"/>
           </a:p>
@@ -6436,7 +6436,7 @@
               <a:pPr>
                 <a:defRPr/>
               </a:pPr>
-              <a:t>2024-12-06</a:t>
+              <a:t>2024-12-09</a:t>
             </a:fld>
             <a:endParaRPr lang="ko-KR" altLang="en-US"/>
           </a:p>
@@ -6558,7 +6558,7 @@
               <a:pPr>
                 <a:defRPr/>
               </a:pPr>
-              <a:t>2024-12-06</a:t>
+              <a:t>2024-12-09</a:t>
             </a:fld>
             <a:endParaRPr lang="ko-KR" altLang="en-US"/>
           </a:p>
@@ -6860,7 +6860,7 @@
               <a:pPr>
                 <a:defRPr/>
               </a:pPr>
-              <a:t>2024-12-06</a:t>
+              <a:t>2024-12-09</a:t>
             </a:fld>
             <a:endParaRPr lang="ko-KR" altLang="en-US"/>
           </a:p>
@@ -7142,7 +7142,7 @@
               <a:pPr>
                 <a:defRPr/>
               </a:pPr>
-              <a:t>2024-12-06</a:t>
+              <a:t>2024-12-09</a:t>
             </a:fld>
             <a:endParaRPr lang="ko-KR" altLang="en-US"/>
           </a:p>
@@ -7403,7 +7403,7 @@
               <a:pPr>
                 <a:defRPr/>
               </a:pPr>
-              <a:t>2024-12-06</a:t>
+              <a:t>2024-12-09</a:t>
             </a:fld>
             <a:endParaRPr lang="ko-KR" altLang="en-US"/>
           </a:p>
@@ -8364,7 +8364,7 @@
                 <a:ea typeface="Calibri" panose="020F0502020204030204" pitchFamily="34" charset="0"/>
                 <a:cs typeface="Calibri" panose="020F0502020204030204" pitchFamily="34" charset="0"/>
               </a:rPr>
-              <a:t>Project 1</a:t>
+              <a:t>Project 1 – Updating the height zero</a:t>
             </a:r>
           </a:p>
         </p:txBody>
@@ -8430,6 +8430,2349 @@
           </a:p>
         </p:txBody>
       </p:sp>
+      <mc:AlternateContent xmlns:mc="http://schemas.openxmlformats.org/markup-compatibility/2006">
+        <mc:Choice xmlns:a14="http://schemas.microsoft.com/office/drawing/2010/main" Requires="a14">
+          <p:sp>
+            <p:nvSpPr>
+              <p:cNvPr id="4" name="Content Placeholder 2">
+                <a:extLst>
+                  <a:ext uri="{FF2B5EF4-FFF2-40B4-BE49-F238E27FC236}">
+                    <a16:creationId xmlns:a16="http://schemas.microsoft.com/office/drawing/2014/main" id="{DB604811-1DD0-D2B2-D47E-B4517DC440F3}"/>
+                  </a:ext>
+                </a:extLst>
+              </p:cNvPr>
+              <p:cNvSpPr txBox="1">
+                <a:spLocks/>
+              </p:cNvSpPr>
+              <p:nvPr/>
+            </p:nvSpPr>
+            <p:spPr bwMode="auto">
+              <a:xfrm>
+                <a:off x="285709" y="862409"/>
+                <a:ext cx="11620580" cy="5599552"/>
+              </a:xfrm>
+              <a:prstGeom prst="rect">
+                <a:avLst/>
+              </a:prstGeom>
+              <a:noFill/>
+              <a:ln w="9525">
+                <a:noFill/>
+                <a:miter lim="800000"/>
+                <a:headEnd/>
+                <a:tailEnd/>
+              </a:ln>
+            </p:spPr>
+            <p:txBody>
+              <a:bodyPr vert="horz" wrap="square" lIns="91440" tIns="45720" rIns="91440" bIns="45720" numCol="1" anchor="t" anchorCtr="0" compatLnSpc="1">
+                <a:prstTxWarp prst="textNoShape">
+                  <a:avLst/>
+                </a:prstTxWarp>
+              </a:bodyPr>
+              <a:lstStyle>
+                <a:lvl1pPr marL="342900" indent="-342900" algn="l" rtl="0" eaLnBrk="0" fontAlgn="base" latinLnBrk="1" hangingPunct="0">
+                  <a:spcBef>
+                    <a:spcPct val="20000"/>
+                  </a:spcBef>
+                  <a:spcAft>
+                    <a:spcPct val="0"/>
+                  </a:spcAft>
+                  <a:buFont typeface="Arial" charset="0"/>
+                  <a:buChar char="•"/>
+                  <a:defRPr sz="1800" kern="1200" baseline="0">
+                    <a:solidFill>
+                      <a:schemeClr val="tx1"/>
+                    </a:solidFill>
+                    <a:latin typeface="Times New Roman" pitchFamily="18" charset="0"/>
+                    <a:ea typeface="+mn-ea"/>
+                    <a:cs typeface="Times New Roman" pitchFamily="18" charset="0"/>
+                  </a:defRPr>
+                </a:lvl1pPr>
+                <a:lvl2pPr marL="742950" indent="-285750" algn="l" rtl="0" eaLnBrk="0" fontAlgn="base" latinLnBrk="1" hangingPunct="0">
+                  <a:spcBef>
+                    <a:spcPct val="20000"/>
+                  </a:spcBef>
+                  <a:spcAft>
+                    <a:spcPct val="0"/>
+                  </a:spcAft>
+                  <a:buFont typeface="Arial" charset="0"/>
+                  <a:buChar char="–"/>
+                  <a:defRPr sz="1800" kern="1200" baseline="0">
+                    <a:solidFill>
+                      <a:schemeClr val="tx1"/>
+                    </a:solidFill>
+                    <a:latin typeface="Times New Roman" pitchFamily="18" charset="0"/>
+                    <a:ea typeface="+mn-ea"/>
+                    <a:cs typeface="Times New Roman" pitchFamily="18" charset="0"/>
+                  </a:defRPr>
+                </a:lvl2pPr>
+                <a:lvl3pPr marL="1143000" indent="-228600" algn="l" rtl="0" eaLnBrk="0" fontAlgn="base" latinLnBrk="1" hangingPunct="0">
+                  <a:spcBef>
+                    <a:spcPct val="20000"/>
+                  </a:spcBef>
+                  <a:spcAft>
+                    <a:spcPct val="0"/>
+                  </a:spcAft>
+                  <a:buFont typeface="Arial" charset="0"/>
+                  <a:buChar char="•"/>
+                  <a:defRPr sz="1800" kern="1200" baseline="0">
+                    <a:solidFill>
+                      <a:schemeClr val="tx1"/>
+                    </a:solidFill>
+                    <a:latin typeface="Times New Roman" pitchFamily="18" charset="0"/>
+                    <a:ea typeface="+mn-ea"/>
+                    <a:cs typeface="Times New Roman" pitchFamily="18" charset="0"/>
+                  </a:defRPr>
+                </a:lvl3pPr>
+                <a:lvl4pPr marL="1600200" indent="-228600" algn="l" rtl="0" eaLnBrk="0" fontAlgn="base" latinLnBrk="1" hangingPunct="0">
+                  <a:spcBef>
+                    <a:spcPct val="20000"/>
+                  </a:spcBef>
+                  <a:spcAft>
+                    <a:spcPct val="0"/>
+                  </a:spcAft>
+                  <a:buFont typeface="Arial" charset="0"/>
+                  <a:buChar char="–"/>
+                  <a:defRPr sz="1600" kern="1200" baseline="0">
+                    <a:solidFill>
+                      <a:schemeClr val="tx1"/>
+                    </a:solidFill>
+                    <a:latin typeface="Times New Roman" pitchFamily="18" charset="0"/>
+                    <a:ea typeface="+mn-ea"/>
+                    <a:cs typeface="Times New Roman" pitchFamily="18" charset="0"/>
+                  </a:defRPr>
+                </a:lvl4pPr>
+                <a:lvl5pPr marL="2057400" indent="-228600" algn="l" rtl="0" eaLnBrk="0" fontAlgn="base" latinLnBrk="1" hangingPunct="0">
+                  <a:spcBef>
+                    <a:spcPct val="20000"/>
+                  </a:spcBef>
+                  <a:spcAft>
+                    <a:spcPct val="0"/>
+                  </a:spcAft>
+                  <a:buFont typeface="Arial" charset="0"/>
+                  <a:buChar char="»"/>
+                  <a:defRPr sz="1600" kern="1200" baseline="0">
+                    <a:solidFill>
+                      <a:schemeClr val="tx1"/>
+                    </a:solidFill>
+                    <a:latin typeface="Times New Roman" pitchFamily="18" charset="0"/>
+                    <a:ea typeface="+mn-ea"/>
+                    <a:cs typeface="Times New Roman" pitchFamily="18" charset="0"/>
+                  </a:defRPr>
+                </a:lvl5pPr>
+                <a:lvl6pPr marL="2514600" indent="-228600" algn="l" defTabSz="914400" rtl="0" eaLnBrk="1" latinLnBrk="1" hangingPunct="1">
+                  <a:spcBef>
+                    <a:spcPct val="20000"/>
+                  </a:spcBef>
+                  <a:buFont typeface="Arial" pitchFamily="34" charset="0"/>
+                  <a:buChar char="•"/>
+                  <a:defRPr sz="2000" kern="1200">
+                    <a:solidFill>
+                      <a:schemeClr val="tx1"/>
+                    </a:solidFill>
+                    <a:latin typeface="+mn-lt"/>
+                    <a:ea typeface="+mn-ea"/>
+                    <a:cs typeface="+mn-cs"/>
+                  </a:defRPr>
+                </a:lvl6pPr>
+                <a:lvl7pPr marL="2971800" indent="-228600" algn="l" defTabSz="914400" rtl="0" eaLnBrk="1" latinLnBrk="1" hangingPunct="1">
+                  <a:spcBef>
+                    <a:spcPct val="20000"/>
+                  </a:spcBef>
+                  <a:buFont typeface="Arial" pitchFamily="34" charset="0"/>
+                  <a:buChar char="•"/>
+                  <a:defRPr sz="2000" kern="1200">
+                    <a:solidFill>
+                      <a:schemeClr val="tx1"/>
+                    </a:solidFill>
+                    <a:latin typeface="+mn-lt"/>
+                    <a:ea typeface="+mn-ea"/>
+                    <a:cs typeface="+mn-cs"/>
+                  </a:defRPr>
+                </a:lvl7pPr>
+                <a:lvl8pPr marL="3429000" indent="-228600" algn="l" defTabSz="914400" rtl="0" eaLnBrk="1" latinLnBrk="1" hangingPunct="1">
+                  <a:spcBef>
+                    <a:spcPct val="20000"/>
+                  </a:spcBef>
+                  <a:buFont typeface="Arial" pitchFamily="34" charset="0"/>
+                  <a:buChar char="•"/>
+                  <a:defRPr sz="2000" kern="1200">
+                    <a:solidFill>
+                      <a:schemeClr val="tx1"/>
+                    </a:solidFill>
+                    <a:latin typeface="+mn-lt"/>
+                    <a:ea typeface="+mn-ea"/>
+                    <a:cs typeface="+mn-cs"/>
+                  </a:defRPr>
+                </a:lvl8pPr>
+                <a:lvl9pPr marL="3886200" indent="-228600" algn="l" defTabSz="914400" rtl="0" eaLnBrk="1" latinLnBrk="1" hangingPunct="1">
+                  <a:spcBef>
+                    <a:spcPct val="20000"/>
+                  </a:spcBef>
+                  <a:buFont typeface="Arial" pitchFamily="34" charset="0"/>
+                  <a:buChar char="•"/>
+                  <a:defRPr sz="2000" kern="1200">
+                    <a:solidFill>
+                      <a:schemeClr val="tx1"/>
+                    </a:solidFill>
+                    <a:latin typeface="+mn-lt"/>
+                    <a:ea typeface="+mn-ea"/>
+                    <a:cs typeface="+mn-cs"/>
+                  </a:defRPr>
+                </a:lvl9pPr>
+              </a:lstStyle>
+              <a:p>
+                <a:pPr marL="227013" indent="0">
+                  <a:spcBef>
+                    <a:spcPts val="600"/>
+                  </a:spcBef>
+                  <a:spcAft>
+                    <a:spcPts val="600"/>
+                  </a:spcAft>
+                  <a:buNone/>
+                </a:pPr>
+                <a:endParaRPr lang="en-US" sz="2600" kern="100" dirty="0">
+                  <a:ea typeface="Malgun Gothic" panose="020B0503020000020004" pitchFamily="34" charset="-127"/>
+                </a:endParaRPr>
+              </a:p>
+              <a:p>
+                <a:pPr marL="227013" indent="0">
+                  <a:spcBef>
+                    <a:spcPts val="600"/>
+                  </a:spcBef>
+                  <a:spcAft>
+                    <a:spcPts val="600"/>
+                  </a:spcAft>
+                  <a:buNone/>
+                </a:pPr>
+                <a:r>
+                  <a:rPr lang="en-US" sz="2600" kern="100" dirty="0">
+                    <a:ea typeface="Malgun Gothic" panose="020B0503020000020004" pitchFamily="34" charset="-127"/>
+                  </a:rPr>
+                  <a:t>Measurement update		</a:t>
+                </a:r>
+                <a:r>
+                  <a:rPr lang="en-US" sz="2400" dirty="0"/>
+                  <a:t> </a:t>
+                </a:r>
+                <a14:m>
+                  <m:oMath xmlns:m="http://schemas.openxmlformats.org/officeDocument/2006/math">
+                    <m:r>
+                      <m:rPr>
+                        <m:sty m:val="p"/>
+                      </m:rPr>
+                      <a:rPr lang="en-US" sz="2400" b="0" i="0" smtClean="0">
+                        <a:latin typeface="Cambria Math" panose="02040503050406030204" pitchFamily="18" charset="0"/>
+                      </a:rPr>
+                      <m:t>z</m:t>
+                    </m:r>
+                    <m:r>
+                      <a:rPr lang="en-US" sz="2400" b="0" i="0" smtClean="0">
+                        <a:latin typeface="Cambria Math" panose="02040503050406030204" pitchFamily="18" charset="0"/>
+                      </a:rPr>
+                      <m:t>=</m:t>
+                    </m:r>
+                    <m:r>
+                      <m:rPr>
+                        <m:sty m:val="p"/>
+                      </m:rPr>
+                      <a:rPr lang="en-US" sz="2400" b="0" i="0" smtClean="0">
+                        <a:latin typeface="Cambria Math" panose="02040503050406030204" pitchFamily="18" charset="0"/>
+                      </a:rPr>
+                      <m:t>H</m:t>
+                    </m:r>
+                    <m:r>
+                      <a:rPr lang="en-US" sz="2400" b="0" i="0" smtClean="0">
+                        <a:latin typeface="Cambria Math" panose="02040503050406030204" pitchFamily="18" charset="0"/>
+                      </a:rPr>
+                      <m:t> </m:t>
+                    </m:r>
+                    <m:r>
+                      <m:rPr>
+                        <m:sty m:val="p"/>
+                      </m:rPr>
+                      <a:rPr lang="en-US" sz="2400" b="0" i="0" smtClean="0">
+                        <a:latin typeface="Cambria Math" panose="02040503050406030204" pitchFamily="18" charset="0"/>
+                      </a:rPr>
+                      <m:t>x</m:t>
+                    </m:r>
+                    <m:r>
+                      <a:rPr lang="en-US" sz="2400" b="0" i="0" smtClean="0">
+                        <a:latin typeface="Cambria Math" panose="02040503050406030204" pitchFamily="18" charset="0"/>
+                      </a:rPr>
+                      <m:t>+</m:t>
+                    </m:r>
+                    <m:r>
+                      <m:rPr>
+                        <m:sty m:val="p"/>
+                      </m:rPr>
+                      <a:rPr lang="en-US" sz="2400" b="0" i="0" smtClean="0">
+                        <a:latin typeface="Cambria Math" panose="02040503050406030204" pitchFamily="18" charset="0"/>
+                      </a:rPr>
+                      <m:t>v</m:t>
+                    </m:r>
+                  </m:oMath>
+                </a14:m>
+                <a:endParaRPr lang="en-US" sz="2400" b="0" dirty="0">
+                  <a:effectLst/>
+                </a:endParaRPr>
+              </a:p>
+              <a:p>
+                <a:pPr marL="227013" indent="0">
+                  <a:spcBef>
+                    <a:spcPts val="600"/>
+                  </a:spcBef>
+                  <a:spcAft>
+                    <a:spcPts val="600"/>
+                  </a:spcAft>
+                  <a:buNone/>
+                </a:pPr>
+                <a:r>
+                  <a:rPr lang="en-US" sz="2400" dirty="0"/>
+                  <a:t>	   </a:t>
+                </a:r>
+                <a14:m>
+                  <m:oMath xmlns:m="http://schemas.openxmlformats.org/officeDocument/2006/math">
+                    <m:d>
+                      <m:dPr>
+                        <m:begChr m:val="["/>
+                        <m:endChr m:val="]"/>
+                        <m:ctrlPr>
+                          <a:rPr lang="en-US" sz="2400" i="1" smtClean="0">
+                            <a:latin typeface="Cambria Math" panose="02040503050406030204" pitchFamily="18" charset="0"/>
+                          </a:rPr>
+                        </m:ctrlPr>
+                      </m:dPr>
+                      <m:e>
+                        <m:m>
+                          <m:mPr>
+                            <m:mcs>
+                              <m:mc>
+                                <m:mcPr>
+                                  <m:count m:val="1"/>
+                                  <m:mcJc m:val="center"/>
+                                </m:mcPr>
+                              </m:mc>
+                            </m:mcs>
+                            <m:ctrlPr>
+                              <a:rPr lang="en-US" sz="2400" i="1" smtClean="0">
+                                <a:latin typeface="Cambria Math" panose="02040503050406030204" pitchFamily="18" charset="0"/>
+                              </a:rPr>
+                            </m:ctrlPr>
+                          </m:mPr>
+                          <m:mr>
+                            <m:e>
+                              <m:sSub>
+                                <m:sSubPr>
+                                  <m:ctrlPr>
+                                    <a:rPr lang="en-US" sz="2400" i="1" smtClean="0">
+                                      <a:latin typeface="Cambria Math" panose="02040503050406030204" pitchFamily="18" charset="0"/>
+                                    </a:rPr>
+                                  </m:ctrlPr>
+                                </m:sSubPr>
+                                <m:e>
+                                  <m:r>
+                                    <a:rPr lang="en-US" sz="2400" b="0" i="1" smtClean="0">
+                                      <a:latin typeface="Cambria Math" panose="02040503050406030204" pitchFamily="18" charset="0"/>
+                                    </a:rPr>
+                                    <m:t>0</m:t>
+                                  </m:r>
+                                </m:e>
+                                <m:sub>
+                                  <m:r>
+                                    <a:rPr lang="en-US" sz="2400" b="0" i="1" smtClean="0">
+                                      <a:latin typeface="Cambria Math" panose="02040503050406030204" pitchFamily="18" charset="0"/>
+                                    </a:rPr>
+                                    <m:t>3</m:t>
+                                  </m:r>
+                                  <m:r>
+                                    <a:rPr lang="en-US" sz="2400" b="0" i="1" smtClean="0">
+                                      <a:latin typeface="Cambria Math" panose="02040503050406030204" pitchFamily="18" charset="0"/>
+                                    </a:rPr>
+                                    <m:t>𝑥</m:t>
+                                  </m:r>
+                                  <m:r>
+                                    <a:rPr lang="en-US" sz="2400" b="0" i="1" smtClean="0">
+                                      <a:latin typeface="Cambria Math" panose="02040503050406030204" pitchFamily="18" charset="0"/>
+                                    </a:rPr>
+                                    <m:t>1</m:t>
+                                  </m:r>
+                                </m:sub>
+                              </m:sSub>
+                              <m:r>
+                                <m:rPr>
+                                  <m:brk m:alnAt="7"/>
+                                </m:rPr>
+                                <a:rPr lang="en-US" sz="2400" b="0" i="1" smtClean="0">
+                                  <a:latin typeface="Cambria Math" panose="02040503050406030204" pitchFamily="18" charset="0"/>
+                                </a:rPr>
+                                <m:t>−</m:t>
+                              </m:r>
+                              <m:sSub>
+                                <m:sSubPr>
+                                  <m:ctrlPr>
+                                    <a:rPr lang="en-US" sz="2400" i="1">
+                                      <a:latin typeface="Cambria Math" panose="02040503050406030204" pitchFamily="18" charset="0"/>
+                                    </a:rPr>
+                                  </m:ctrlPr>
+                                </m:sSubPr>
+                                <m:e>
+                                  <m:acc>
+                                    <m:accPr>
+                                      <m:chr m:val="̂"/>
+                                      <m:ctrlPr>
+                                        <a:rPr lang="en-US" sz="2400" i="1">
+                                          <a:latin typeface="Cambria Math" panose="02040503050406030204" pitchFamily="18" charset="0"/>
+                                        </a:rPr>
+                                      </m:ctrlPr>
+                                    </m:accPr>
+                                    <m:e>
+                                      <m:r>
+                                        <a:rPr lang="en-US" sz="2400" i="1">
+                                          <a:latin typeface="Cambria Math" panose="02040503050406030204" pitchFamily="18" charset="0"/>
+                                        </a:rPr>
+                                        <m:t>𝑣</m:t>
+                                      </m:r>
+                                    </m:e>
+                                  </m:acc>
+                                </m:e>
+                                <m:sub>
+                                  <m:r>
+                                    <a:rPr lang="en-US" sz="2400" i="1">
+                                      <a:latin typeface="Cambria Math" panose="02040503050406030204" pitchFamily="18" charset="0"/>
+                                    </a:rPr>
+                                    <m:t>3</m:t>
+                                  </m:r>
+                                  <m:r>
+                                    <a:rPr lang="en-US" sz="2400" i="1">
+                                      <a:latin typeface="Cambria Math" panose="02040503050406030204" pitchFamily="18" charset="0"/>
+                                    </a:rPr>
+                                    <m:t>𝑥</m:t>
+                                  </m:r>
+                                  <m:r>
+                                    <a:rPr lang="en-US" sz="2400" i="1">
+                                      <a:latin typeface="Cambria Math" panose="02040503050406030204" pitchFamily="18" charset="0"/>
+                                    </a:rPr>
+                                    <m:t>1</m:t>
+                                  </m:r>
+                                </m:sub>
+                              </m:sSub>
+                            </m:e>
+                          </m:mr>
+                        </m:m>
+                      </m:e>
+                    </m:d>
+                    <m:r>
+                      <a:rPr lang="en-US" sz="2400" b="0" i="1" smtClean="0">
+                        <a:latin typeface="Cambria Math" panose="02040503050406030204" pitchFamily="18" charset="0"/>
+                      </a:rPr>
+                      <m:t>=</m:t>
+                    </m:r>
+                    <m:d>
+                      <m:dPr>
+                        <m:begChr m:val="["/>
+                        <m:endChr m:val="]"/>
+                        <m:ctrlPr>
+                          <a:rPr lang="en-US" sz="2400" b="0" i="1" smtClean="0">
+                            <a:latin typeface="Cambria Math" panose="02040503050406030204" pitchFamily="18" charset="0"/>
+                          </a:rPr>
+                        </m:ctrlPr>
+                      </m:dPr>
+                      <m:e>
+                        <m:m>
+                          <m:mPr>
+                            <m:mcs>
+                              <m:mc>
+                                <m:mcPr>
+                                  <m:count m:val="3"/>
+                                  <m:mcJc m:val="center"/>
+                                </m:mcPr>
+                              </m:mc>
+                            </m:mcs>
+                            <m:ctrlPr>
+                              <a:rPr lang="en-US" sz="2400" b="0" i="1" smtClean="0">
+                                <a:latin typeface="Cambria Math" panose="02040503050406030204" pitchFamily="18" charset="0"/>
+                              </a:rPr>
+                            </m:ctrlPr>
+                          </m:mPr>
+                          <m:mr>
+                            <m:e>
+                              <m:m>
+                                <m:mPr>
+                                  <m:mcs>
+                                    <m:mc>
+                                      <m:mcPr>
+                                        <m:count m:val="1"/>
+                                        <m:mcJc m:val="center"/>
+                                      </m:mcPr>
+                                    </m:mc>
+                                  </m:mcs>
+                                  <m:ctrlPr>
+                                    <a:rPr lang="en-US" sz="2400" i="1">
+                                      <a:latin typeface="Cambria Math" panose="02040503050406030204" pitchFamily="18" charset="0"/>
+                                    </a:rPr>
+                                  </m:ctrlPr>
+                                </m:mPr>
+                                <m:mr>
+                                  <m:e>
+                                    <m:sSub>
+                                      <m:sSubPr>
+                                        <m:ctrlPr>
+                                          <a:rPr lang="en-US" sz="2400" i="1">
+                                            <a:latin typeface="Cambria Math" panose="02040503050406030204" pitchFamily="18" charset="0"/>
+                                          </a:rPr>
+                                        </m:ctrlPr>
+                                      </m:sSubPr>
+                                      <m:e>
+                                        <m:r>
+                                          <a:rPr lang="en-US" sz="2400" i="1">
+                                            <a:latin typeface="Cambria Math" panose="02040503050406030204" pitchFamily="18" charset="0"/>
+                                          </a:rPr>
+                                          <m:t>0</m:t>
+                                        </m:r>
+                                      </m:e>
+                                      <m:sub>
+                                        <m:r>
+                                          <a:rPr lang="en-US" sz="2400" i="1">
+                                            <a:latin typeface="Cambria Math" panose="02040503050406030204" pitchFamily="18" charset="0"/>
+                                          </a:rPr>
+                                          <m:t>3</m:t>
+                                        </m:r>
+                                        <m:r>
+                                          <a:rPr lang="en-US" sz="2400" i="1">
+                                            <a:latin typeface="Cambria Math" panose="02040503050406030204" pitchFamily="18" charset="0"/>
+                                          </a:rPr>
+                                          <m:t>𝑥</m:t>
+                                        </m:r>
+                                        <m:r>
+                                          <a:rPr lang="en-US" sz="2400" b="0" i="1" smtClean="0">
+                                            <a:latin typeface="Cambria Math" panose="02040503050406030204" pitchFamily="18" charset="0"/>
+                                          </a:rPr>
+                                          <m:t>3</m:t>
+                                        </m:r>
+                                      </m:sub>
+                                    </m:sSub>
+                                  </m:e>
+                                </m:mr>
+                              </m:m>
+                            </m:e>
+                            <m:e>
+                              <m:m>
+                                <m:mPr>
+                                  <m:mcs>
+                                    <m:mc>
+                                      <m:mcPr>
+                                        <m:count m:val="1"/>
+                                        <m:mcJc m:val="center"/>
+                                      </m:mcPr>
+                                    </m:mc>
+                                  </m:mcs>
+                                  <m:ctrlPr>
+                                    <a:rPr lang="en-US" sz="2400" i="1">
+                                      <a:latin typeface="Cambria Math" panose="02040503050406030204" pitchFamily="18" charset="0"/>
+                                    </a:rPr>
+                                  </m:ctrlPr>
+                                </m:mPr>
+                                <m:mr>
+                                  <m:e>
+                                    <m:sSub>
+                                      <m:sSubPr>
+                                        <m:ctrlPr>
+                                          <a:rPr lang="en-US" sz="2400" i="1">
+                                            <a:latin typeface="Cambria Math" panose="02040503050406030204" pitchFamily="18" charset="0"/>
+                                          </a:rPr>
+                                        </m:ctrlPr>
+                                      </m:sSubPr>
+                                      <m:e>
+                                        <m:r>
+                                          <a:rPr lang="en-US" sz="2400" i="1">
+                                            <a:latin typeface="Cambria Math" panose="02040503050406030204" pitchFamily="18" charset="0"/>
+                                          </a:rPr>
+                                          <m:t>0</m:t>
+                                        </m:r>
+                                      </m:e>
+                                      <m:sub>
+                                        <m:r>
+                                          <a:rPr lang="en-US" sz="2400" i="1">
+                                            <a:latin typeface="Cambria Math" panose="02040503050406030204" pitchFamily="18" charset="0"/>
+                                          </a:rPr>
+                                          <m:t>3</m:t>
+                                        </m:r>
+                                        <m:r>
+                                          <a:rPr lang="en-US" sz="2400" i="1">
+                                            <a:latin typeface="Cambria Math" panose="02040503050406030204" pitchFamily="18" charset="0"/>
+                                          </a:rPr>
+                                          <m:t>𝑥</m:t>
+                                        </m:r>
+                                        <m:r>
+                                          <a:rPr lang="en-US" sz="2400" b="0" i="1" smtClean="0">
+                                            <a:latin typeface="Cambria Math" panose="02040503050406030204" pitchFamily="18" charset="0"/>
+                                          </a:rPr>
+                                          <m:t>3</m:t>
+                                        </m:r>
+                                      </m:sub>
+                                    </m:sSub>
+                                  </m:e>
+                                </m:mr>
+                              </m:m>
+                            </m:e>
+                            <m:e>
+                              <m:m>
+                                <m:mPr>
+                                  <m:mcs>
+                                    <m:mc>
+                                      <m:mcPr>
+                                        <m:count m:val="1"/>
+                                        <m:mcJc m:val="center"/>
+                                      </m:mcPr>
+                                    </m:mc>
+                                  </m:mcs>
+                                  <m:ctrlPr>
+                                    <a:rPr lang="en-US" sz="2400" i="1">
+                                      <a:latin typeface="Cambria Math" panose="02040503050406030204" pitchFamily="18" charset="0"/>
+                                    </a:rPr>
+                                  </m:ctrlPr>
+                                </m:mPr>
+                                <m:mr>
+                                  <m:e>
+                                    <m:sSub>
+                                      <m:sSubPr>
+                                        <m:ctrlPr>
+                                          <a:rPr lang="en-US" sz="2400" i="1">
+                                            <a:latin typeface="Cambria Math" panose="02040503050406030204" pitchFamily="18" charset="0"/>
+                                          </a:rPr>
+                                        </m:ctrlPr>
+                                      </m:sSubPr>
+                                      <m:e>
+                                        <m:r>
+                                          <m:rPr>
+                                            <m:sty m:val="p"/>
+                                          </m:rPr>
+                                          <a:rPr lang="en-US" sz="2400" b="0" i="0" smtClean="0">
+                                            <a:latin typeface="Cambria Math" panose="02040503050406030204" pitchFamily="18" charset="0"/>
+                                          </a:rPr>
+                                          <m:t>I</m:t>
+                                        </m:r>
+                                      </m:e>
+                                      <m:sub>
+                                        <m:r>
+                                          <a:rPr lang="en-US" sz="2400" i="1">
+                                            <a:latin typeface="Cambria Math" panose="02040503050406030204" pitchFamily="18" charset="0"/>
+                                          </a:rPr>
+                                          <m:t>3</m:t>
+                                        </m:r>
+                                        <m:r>
+                                          <a:rPr lang="en-US" sz="2400" i="1">
+                                            <a:latin typeface="Cambria Math" panose="02040503050406030204" pitchFamily="18" charset="0"/>
+                                          </a:rPr>
+                                          <m:t>𝑥</m:t>
+                                        </m:r>
+                                        <m:r>
+                                          <a:rPr lang="en-US" sz="2400" b="0" i="1" smtClean="0">
+                                            <a:latin typeface="Cambria Math" panose="02040503050406030204" pitchFamily="18" charset="0"/>
+                                          </a:rPr>
+                                          <m:t>3</m:t>
+                                        </m:r>
+                                      </m:sub>
+                                    </m:sSub>
+                                  </m:e>
+                                </m:mr>
+                              </m:m>
+                            </m:e>
+                          </m:mr>
+                        </m:m>
+                      </m:e>
+                    </m:d>
+                    <m:r>
+                      <a:rPr lang="en-US" sz="2400" b="0" i="1" smtClean="0">
+                        <a:latin typeface="Cambria Math" panose="02040503050406030204" pitchFamily="18" charset="0"/>
+                      </a:rPr>
+                      <m:t> </m:t>
+                    </m:r>
+                    <m:d>
+                      <m:dPr>
+                        <m:begChr m:val="["/>
+                        <m:endChr m:val="]"/>
+                        <m:ctrlPr>
+                          <a:rPr lang="en-US" sz="2400" b="0" i="1" smtClean="0">
+                            <a:latin typeface="Cambria Math" panose="02040503050406030204" pitchFamily="18" charset="0"/>
+                          </a:rPr>
+                        </m:ctrlPr>
+                      </m:dPr>
+                      <m:e>
+                        <m:m>
+                          <m:mPr>
+                            <m:mcs>
+                              <m:mc>
+                                <m:mcPr>
+                                  <m:count m:val="1"/>
+                                  <m:mcJc m:val="center"/>
+                                </m:mcPr>
+                              </m:mc>
+                            </m:mcs>
+                            <m:ctrlPr>
+                              <a:rPr lang="en-US" sz="2400" b="0" i="1" smtClean="0">
+                                <a:latin typeface="Cambria Math" panose="02040503050406030204" pitchFamily="18" charset="0"/>
+                              </a:rPr>
+                            </m:ctrlPr>
+                          </m:mPr>
+                          <m:mr>
+                            <m:e>
+                              <m:sSub>
+                                <m:sSubPr>
+                                  <m:ctrlPr>
+                                    <a:rPr lang="en-US" sz="2400" i="1">
+                                      <a:latin typeface="Cambria Math" panose="02040503050406030204" pitchFamily="18" charset="0"/>
+                                    </a:rPr>
+                                  </m:ctrlPr>
+                                </m:sSubPr>
+                                <m:e>
+                                  <m:acc>
+                                    <m:accPr>
+                                      <m:chr m:val="̂"/>
+                                      <m:ctrlPr>
+                                        <a:rPr lang="en-US" sz="2400" i="1">
+                                          <a:latin typeface="Cambria Math" panose="02040503050406030204" pitchFamily="18" charset="0"/>
+                                        </a:rPr>
+                                      </m:ctrlPr>
+                                    </m:accPr>
+                                    <m:e>
+                                      <m:r>
+                                        <a:rPr lang="en-US" sz="2400" b="0" i="1" smtClean="0">
+                                          <a:latin typeface="Cambria Math" panose="02040503050406030204" pitchFamily="18" charset="0"/>
+                                        </a:rPr>
+                                        <m:t>𝑞</m:t>
+                                      </m:r>
+                                    </m:e>
+                                  </m:acc>
+                                </m:e>
+                                <m:sub>
+                                  <m:r>
+                                    <a:rPr lang="en-US" sz="2400" b="0" i="1" smtClean="0">
+                                      <a:latin typeface="Cambria Math" panose="02040503050406030204" pitchFamily="18" charset="0"/>
+                                    </a:rPr>
+                                    <m:t>𝑒</m:t>
+                                  </m:r>
+                                </m:sub>
+                              </m:sSub>
+                            </m:e>
+                          </m:mr>
+                          <m:mr>
+                            <m:e>
+                              <m:sSub>
+                                <m:sSubPr>
+                                  <m:ctrlPr>
+                                    <a:rPr lang="en-US" sz="2400" i="1">
+                                      <a:latin typeface="Cambria Math" panose="02040503050406030204" pitchFamily="18" charset="0"/>
+                                    </a:rPr>
+                                  </m:ctrlPr>
+                                </m:sSubPr>
+                                <m:e>
+                                  <m:acc>
+                                    <m:accPr>
+                                      <m:chr m:val="̂"/>
+                                      <m:ctrlPr>
+                                        <a:rPr lang="en-US" sz="2400" i="1" smtClean="0">
+                                          <a:latin typeface="Cambria Math" panose="02040503050406030204" pitchFamily="18" charset="0"/>
+                                        </a:rPr>
+                                      </m:ctrlPr>
+                                    </m:accPr>
+                                    <m:e>
+                                      <m:r>
+                                        <a:rPr lang="en-US" sz="2400" b="0" i="1" smtClean="0">
+                                          <a:latin typeface="Cambria Math" panose="02040503050406030204" pitchFamily="18" charset="0"/>
+                                        </a:rPr>
+                                        <m:t>𝑟</m:t>
+                                      </m:r>
+                                    </m:e>
+                                  </m:acc>
+                                </m:e>
+                                <m:sub>
+                                  <m:r>
+                                    <a:rPr lang="en-US" sz="2400" b="0" i="1" smtClean="0">
+                                      <a:latin typeface="Cambria Math" panose="02040503050406030204" pitchFamily="18" charset="0"/>
+                                    </a:rPr>
+                                    <m:t>𝑒</m:t>
+                                  </m:r>
+                                </m:sub>
+                              </m:sSub>
+                            </m:e>
+                          </m:mr>
+                          <m:mr>
+                            <m:e>
+                              <m:sSub>
+                                <m:sSubPr>
+                                  <m:ctrlPr>
+                                    <a:rPr lang="en-US" sz="2400" i="1">
+                                      <a:latin typeface="Cambria Math" panose="02040503050406030204" pitchFamily="18" charset="0"/>
+                                    </a:rPr>
+                                  </m:ctrlPr>
+                                </m:sSubPr>
+                                <m:e>
+                                  <m:acc>
+                                    <m:accPr>
+                                      <m:chr m:val="̂"/>
+                                      <m:ctrlPr>
+                                        <a:rPr lang="en-US" sz="2400" i="1">
+                                          <a:latin typeface="Cambria Math" panose="02040503050406030204" pitchFamily="18" charset="0"/>
+                                        </a:rPr>
+                                      </m:ctrlPr>
+                                    </m:accPr>
+                                    <m:e>
+                                      <m:r>
+                                        <a:rPr lang="en-US" sz="2400" b="0" i="1" smtClean="0">
+                                          <a:latin typeface="Cambria Math" panose="02040503050406030204" pitchFamily="18" charset="0"/>
+                                        </a:rPr>
+                                        <m:t>𝑣</m:t>
+                                      </m:r>
+                                    </m:e>
+                                  </m:acc>
+                                </m:e>
+                                <m:sub>
+                                  <m:r>
+                                    <a:rPr lang="en-US" sz="2400" b="0" i="1" smtClean="0">
+                                      <a:latin typeface="Cambria Math" panose="02040503050406030204" pitchFamily="18" charset="0"/>
+                                    </a:rPr>
+                                    <m:t>𝑒</m:t>
+                                  </m:r>
+                                </m:sub>
+                              </m:sSub>
+                            </m:e>
+                          </m:mr>
+                        </m:m>
+                      </m:e>
+                    </m:d>
+                  </m:oMath>
+                </a14:m>
+                <a:r>
+                  <a:rPr lang="en-US" sz="2400" b="0" dirty="0"/>
+                  <a:t>, where </a:t>
+                </a:r>
+                <a14:m>
+                  <m:oMath xmlns:m="http://schemas.openxmlformats.org/officeDocument/2006/math">
+                    <m:r>
+                      <m:rPr>
+                        <m:sty m:val="p"/>
+                      </m:rPr>
+                      <a:rPr lang="en-US" sz="2400" b="0" i="0" smtClean="0">
+                        <a:latin typeface="Cambria Math" panose="02040503050406030204" pitchFamily="18" charset="0"/>
+                      </a:rPr>
+                      <m:t>R</m:t>
+                    </m:r>
+                    <m:r>
+                      <a:rPr lang="en-US" sz="2400" b="0" i="0" smtClean="0">
+                        <a:latin typeface="Cambria Math" panose="02040503050406030204" pitchFamily="18" charset="0"/>
+                      </a:rPr>
+                      <m:t>= </m:t>
+                    </m:r>
+                    <m:d>
+                      <m:dPr>
+                        <m:begChr m:val="["/>
+                        <m:endChr m:val="]"/>
+                        <m:ctrlPr>
+                          <a:rPr lang="en-US" sz="2400" b="0" i="1" smtClean="0">
+                            <a:latin typeface="Cambria Math" panose="02040503050406030204" pitchFamily="18" charset="0"/>
+                          </a:rPr>
+                        </m:ctrlPr>
+                      </m:dPr>
+                      <m:e>
+                        <m:m>
+                          <m:mPr>
+                            <m:mcs>
+                              <m:mc>
+                                <m:mcPr>
+                                  <m:count m:val="3"/>
+                                  <m:mcJc m:val="center"/>
+                                </m:mcPr>
+                              </m:mc>
+                            </m:mcs>
+                            <m:ctrlPr>
+                              <a:rPr lang="en-US" sz="2400" b="0" i="1" smtClean="0">
+                                <a:latin typeface="Cambria Math" panose="02040503050406030204" pitchFamily="18" charset="0"/>
+                              </a:rPr>
+                            </m:ctrlPr>
+                          </m:mPr>
+                          <m:mr>
+                            <m:e>
+                              <m:sSub>
+                                <m:sSubPr>
+                                  <m:ctrlPr>
+                                    <a:rPr lang="en-US" sz="2400" i="1">
+                                      <a:latin typeface="Cambria Math" panose="02040503050406030204" pitchFamily="18" charset="0"/>
+                                    </a:rPr>
+                                  </m:ctrlPr>
+                                </m:sSubPr>
+                                <m:e>
+                                  <m:r>
+                                    <m:rPr>
+                                      <m:sty m:val="p"/>
+                                    </m:rPr>
+                                    <a:rPr lang="en-US" sz="2400" b="0" i="0" smtClean="0">
+                                      <a:latin typeface="Cambria Math" panose="02040503050406030204" pitchFamily="18" charset="0"/>
+                                    </a:rPr>
+                                    <m:t>r</m:t>
+                                  </m:r>
+                                </m:e>
+                                <m:sub>
+                                  <m:r>
+                                    <a:rPr lang="en-US" sz="2400" b="0" i="1" smtClean="0">
+                                      <a:latin typeface="Cambria Math" panose="02040503050406030204" pitchFamily="18" charset="0"/>
+                                    </a:rPr>
+                                    <m:t>𝑣𝑒𝑙</m:t>
+                                  </m:r>
+                                </m:sub>
+                              </m:sSub>
+                            </m:e>
+                            <m:e>
+                              <m:r>
+                                <a:rPr lang="en-US" sz="2400" b="0" i="1" smtClean="0">
+                                  <a:latin typeface="Cambria Math" panose="02040503050406030204" pitchFamily="18" charset="0"/>
+                                </a:rPr>
+                                <m:t>0</m:t>
+                              </m:r>
+                            </m:e>
+                            <m:e>
+                              <m:r>
+                                <a:rPr lang="en-US" sz="2400" b="0" i="1" smtClean="0">
+                                  <a:latin typeface="Cambria Math" panose="02040503050406030204" pitchFamily="18" charset="0"/>
+                                </a:rPr>
+                                <m:t>0</m:t>
+                              </m:r>
+                            </m:e>
+                          </m:mr>
+                          <m:mr>
+                            <m:e>
+                              <m:r>
+                                <a:rPr lang="en-US" sz="2400" b="0" i="1" smtClean="0">
+                                  <a:latin typeface="Cambria Math" panose="02040503050406030204" pitchFamily="18" charset="0"/>
+                                </a:rPr>
+                                <m:t>0</m:t>
+                              </m:r>
+                            </m:e>
+                            <m:e>
+                              <m:sSub>
+                                <m:sSubPr>
+                                  <m:ctrlPr>
+                                    <a:rPr lang="en-US" sz="2400" i="1">
+                                      <a:latin typeface="Cambria Math" panose="02040503050406030204" pitchFamily="18" charset="0"/>
+                                    </a:rPr>
+                                  </m:ctrlPr>
+                                </m:sSubPr>
+                                <m:e>
+                                  <m:r>
+                                    <m:rPr>
+                                      <m:sty m:val="p"/>
+                                    </m:rPr>
+                                    <a:rPr lang="en-US" sz="2400">
+                                      <a:latin typeface="Cambria Math" panose="02040503050406030204" pitchFamily="18" charset="0"/>
+                                    </a:rPr>
+                                    <m:t>r</m:t>
+                                  </m:r>
+                                </m:e>
+                                <m:sub>
+                                  <m:r>
+                                    <a:rPr lang="en-US" sz="2400" i="1">
+                                      <a:latin typeface="Cambria Math" panose="02040503050406030204" pitchFamily="18" charset="0"/>
+                                    </a:rPr>
+                                    <m:t>𝑣𝑒𝑙</m:t>
+                                  </m:r>
+                                </m:sub>
+                              </m:sSub>
+                            </m:e>
+                            <m:e>
+                              <m:r>
+                                <a:rPr lang="en-US" sz="2400" b="0" i="1" smtClean="0">
+                                  <a:latin typeface="Cambria Math" panose="02040503050406030204" pitchFamily="18" charset="0"/>
+                                </a:rPr>
+                                <m:t>0</m:t>
+                              </m:r>
+                            </m:e>
+                          </m:mr>
+                          <m:mr>
+                            <m:e>
+                              <m:r>
+                                <a:rPr lang="en-US" sz="2400" b="0" i="1" smtClean="0">
+                                  <a:latin typeface="Cambria Math" panose="02040503050406030204" pitchFamily="18" charset="0"/>
+                                </a:rPr>
+                                <m:t>0</m:t>
+                              </m:r>
+                            </m:e>
+                            <m:e>
+                              <m:r>
+                                <a:rPr lang="en-US" sz="2400" b="0" i="1" smtClean="0">
+                                  <a:latin typeface="Cambria Math" panose="02040503050406030204" pitchFamily="18" charset="0"/>
+                                </a:rPr>
+                                <m:t>0</m:t>
+                              </m:r>
+                            </m:e>
+                            <m:e>
+                              <m:sSub>
+                                <m:sSubPr>
+                                  <m:ctrlPr>
+                                    <a:rPr lang="en-US" sz="2400" i="1">
+                                      <a:latin typeface="Cambria Math" panose="02040503050406030204" pitchFamily="18" charset="0"/>
+                                    </a:rPr>
+                                  </m:ctrlPr>
+                                </m:sSubPr>
+                                <m:e>
+                                  <m:r>
+                                    <m:rPr>
+                                      <m:sty m:val="p"/>
+                                    </m:rPr>
+                                    <a:rPr lang="en-US" sz="2400">
+                                      <a:latin typeface="Cambria Math" panose="02040503050406030204" pitchFamily="18" charset="0"/>
+                                    </a:rPr>
+                                    <m:t>r</m:t>
+                                  </m:r>
+                                </m:e>
+                                <m:sub>
+                                  <m:r>
+                                    <a:rPr lang="en-US" sz="2400" i="1">
+                                      <a:latin typeface="Cambria Math" panose="02040503050406030204" pitchFamily="18" charset="0"/>
+                                    </a:rPr>
+                                    <m:t>𝑣𝑒𝑙</m:t>
+                                  </m:r>
+                                </m:sub>
+                              </m:sSub>
+                            </m:e>
+                          </m:mr>
+                        </m:m>
+                      </m:e>
+                    </m:d>
+                  </m:oMath>
+                </a14:m>
+                <a:endParaRPr lang="en-US" sz="2400" b="0" dirty="0"/>
+              </a:p>
+              <a:p>
+                <a:pPr marL="227013" indent="0">
+                  <a:spcBef>
+                    <a:spcPts val="600"/>
+                  </a:spcBef>
+                  <a:spcAft>
+                    <a:spcPts val="600"/>
+                  </a:spcAft>
+                  <a:buNone/>
+                </a:pPr>
+                <a:endParaRPr lang="en-US" sz="2600" dirty="0">
+                  <a:solidFill>
+                    <a:srgbClr val="C00000"/>
+                  </a:solidFill>
+                </a:endParaRPr>
+              </a:p>
+              <a:p>
+                <a:pPr marL="227013" indent="0">
+                  <a:spcBef>
+                    <a:spcPts val="600"/>
+                  </a:spcBef>
+                  <a:spcAft>
+                    <a:spcPts val="600"/>
+                  </a:spcAft>
+                  <a:buNone/>
+                </a:pPr>
+                <a:r>
+                  <a:rPr lang="en-US" sz="2600" dirty="0">
+                    <a:solidFill>
+                      <a:srgbClr val="C00000"/>
+                    </a:solidFill>
+                  </a:rPr>
+                  <a:t>Modified</a:t>
+                </a:r>
+              </a:p>
+              <a:p>
+                <a:pPr marL="227013" indent="0">
+                  <a:spcBef>
+                    <a:spcPts val="600"/>
+                  </a:spcBef>
+                  <a:spcAft>
+                    <a:spcPts val="600"/>
+                  </a:spcAft>
+                  <a:buNone/>
+                </a:pPr>
+                <a:r>
+                  <a:rPr lang="en-US" sz="2600" dirty="0">
+                    <a:solidFill>
+                      <a:srgbClr val="C00000"/>
+                    </a:solidFill>
+                  </a:rPr>
+                  <a:t>	</a:t>
+                </a:r>
+                <a14:m>
+                  <m:oMath xmlns:m="http://schemas.openxmlformats.org/officeDocument/2006/math">
+                    <m:d>
+                      <m:dPr>
+                        <m:begChr m:val="["/>
+                        <m:endChr m:val="]"/>
+                        <m:ctrlPr>
+                          <a:rPr lang="en-US" sz="2400" i="1">
+                            <a:latin typeface="Cambria Math" panose="02040503050406030204" pitchFamily="18" charset="0"/>
+                          </a:rPr>
+                        </m:ctrlPr>
+                      </m:dPr>
+                      <m:e>
+                        <m:m>
+                          <m:mPr>
+                            <m:mcs>
+                              <m:mc>
+                                <m:mcPr>
+                                  <m:count m:val="1"/>
+                                  <m:mcJc m:val="center"/>
+                                </m:mcPr>
+                              </m:mc>
+                            </m:mcs>
+                            <m:ctrlPr>
+                              <a:rPr lang="en-US" sz="2400" i="1">
+                                <a:latin typeface="Cambria Math" panose="02040503050406030204" pitchFamily="18" charset="0"/>
+                              </a:rPr>
+                            </m:ctrlPr>
+                          </m:mPr>
+                          <m:mr>
+                            <m:e>
+                              <m:m>
+                                <m:mPr>
+                                  <m:mcs>
+                                    <m:mc>
+                                      <m:mcPr>
+                                        <m:count m:val="1"/>
+                                        <m:mcJc m:val="center"/>
+                                      </m:mcPr>
+                                    </m:mc>
+                                  </m:mcs>
+                                  <m:ctrlPr>
+                                    <a:rPr lang="en-US" sz="2400" i="1">
+                                      <a:latin typeface="Cambria Math" panose="02040503050406030204" pitchFamily="18" charset="0"/>
+                                    </a:rPr>
+                                  </m:ctrlPr>
+                                </m:mPr>
+                                <m:mr>
+                                  <m:e>
+                                    <m:r>
+                                      <a:rPr lang="en-US" sz="2400" b="0" i="1" smtClean="0">
+                                        <a:solidFill>
+                                          <a:srgbClr val="C00000"/>
+                                        </a:solidFill>
+                                        <a:latin typeface="Cambria Math" panose="02040503050406030204" pitchFamily="18" charset="0"/>
+                                      </a:rPr>
+                                      <m:t>0 −</m:t>
+                                    </m:r>
+                                    <m:sSub>
+                                      <m:sSubPr>
+                                        <m:ctrlPr>
+                                          <a:rPr lang="en-US" sz="2400" i="1">
+                                            <a:solidFill>
+                                              <a:srgbClr val="C00000"/>
+                                            </a:solidFill>
+                                            <a:latin typeface="Cambria Math" panose="02040503050406030204" pitchFamily="18" charset="0"/>
+                                          </a:rPr>
+                                        </m:ctrlPr>
+                                      </m:sSubPr>
+                                      <m:e>
+                                        <m:acc>
+                                          <m:accPr>
+                                            <m:chr m:val="̂"/>
+                                            <m:ctrlPr>
+                                              <a:rPr lang="en-US" sz="2400" i="1">
+                                                <a:solidFill>
+                                                  <a:srgbClr val="C00000"/>
+                                                </a:solidFill>
+                                                <a:latin typeface="Cambria Math" panose="02040503050406030204" pitchFamily="18" charset="0"/>
+                                              </a:rPr>
+                                            </m:ctrlPr>
+                                          </m:accPr>
+                                          <m:e>
+                                            <m:r>
+                                              <a:rPr lang="en-US" sz="2400" i="1">
+                                                <a:solidFill>
+                                                  <a:srgbClr val="C00000"/>
+                                                </a:solidFill>
+                                                <a:latin typeface="Cambria Math" panose="02040503050406030204" pitchFamily="18" charset="0"/>
+                                              </a:rPr>
+                                              <m:t>𝑟</m:t>
+                                            </m:r>
+                                          </m:e>
+                                        </m:acc>
+                                      </m:e>
+                                      <m:sub>
+                                        <m:r>
+                                          <a:rPr lang="en-US" sz="2400" b="0" i="1" smtClean="0">
+                                            <a:solidFill>
+                                              <a:srgbClr val="C00000"/>
+                                            </a:solidFill>
+                                            <a:latin typeface="Cambria Math" panose="02040503050406030204" pitchFamily="18" charset="0"/>
+                                          </a:rPr>
+                                          <m:t>𝑧</m:t>
+                                        </m:r>
+                                      </m:sub>
+                                    </m:sSub>
+                                  </m:e>
+                                </m:mr>
+                              </m:m>
+                            </m:e>
+                          </m:mr>
+                          <m:mr>
+                            <m:e>
+                              <m:m>
+                                <m:mPr>
+                                  <m:mcs>
+                                    <m:mc>
+                                      <m:mcPr>
+                                        <m:count m:val="1"/>
+                                        <m:mcJc m:val="center"/>
+                                      </m:mcPr>
+                                    </m:mc>
+                                  </m:mcs>
+                                  <m:ctrlPr>
+                                    <a:rPr lang="en-US" sz="2400" i="1">
+                                      <a:latin typeface="Cambria Math" panose="02040503050406030204" pitchFamily="18" charset="0"/>
+                                    </a:rPr>
+                                  </m:ctrlPr>
+                                </m:mPr>
+                                <m:mr>
+                                  <m:e>
+                                    <m:m>
+                                      <m:mPr>
+                                        <m:mcs>
+                                          <m:mc>
+                                            <m:mcPr>
+                                              <m:count m:val="1"/>
+                                              <m:mcJc m:val="center"/>
+                                            </m:mcPr>
+                                          </m:mc>
+                                        </m:mcs>
+                                        <m:ctrlPr>
+                                          <a:rPr lang="en-US" sz="2400" i="1">
+                                            <a:latin typeface="Cambria Math" panose="02040503050406030204" pitchFamily="18" charset="0"/>
+                                          </a:rPr>
+                                        </m:ctrlPr>
+                                      </m:mPr>
+                                      <m:mr>
+                                        <m:e>
+                                          <m:sSub>
+                                            <m:sSubPr>
+                                              <m:ctrlPr>
+                                                <a:rPr lang="en-US" sz="2400" i="1">
+                                                  <a:latin typeface="Cambria Math" panose="02040503050406030204" pitchFamily="18" charset="0"/>
+                                                </a:rPr>
+                                              </m:ctrlPr>
+                                            </m:sSubPr>
+                                            <m:e>
+                                              <m:r>
+                                                <a:rPr lang="en-US" sz="2400" i="1">
+                                                  <a:latin typeface="Cambria Math" panose="02040503050406030204" pitchFamily="18" charset="0"/>
+                                                </a:rPr>
+                                                <m:t>0</m:t>
+                                              </m:r>
+                                            </m:e>
+                                            <m:sub>
+                                              <m:r>
+                                                <a:rPr lang="en-US" sz="2400" i="1">
+                                                  <a:latin typeface="Cambria Math" panose="02040503050406030204" pitchFamily="18" charset="0"/>
+                                                </a:rPr>
+                                                <m:t>3</m:t>
+                                              </m:r>
+                                              <m:r>
+                                                <a:rPr lang="en-US" sz="2400" i="1">
+                                                  <a:latin typeface="Cambria Math" panose="02040503050406030204" pitchFamily="18" charset="0"/>
+                                                </a:rPr>
+                                                <m:t>𝑥</m:t>
+                                              </m:r>
+                                              <m:r>
+                                                <a:rPr lang="en-US" sz="2400" i="1">
+                                                  <a:latin typeface="Cambria Math" panose="02040503050406030204" pitchFamily="18" charset="0"/>
+                                                </a:rPr>
+                                                <m:t>1</m:t>
+                                              </m:r>
+                                            </m:sub>
+                                          </m:sSub>
+                                          <m:r>
+                                            <m:rPr>
+                                              <m:brk m:alnAt="7"/>
+                                            </m:rPr>
+                                            <a:rPr lang="en-US" sz="2400" i="1">
+                                              <a:latin typeface="Cambria Math" panose="02040503050406030204" pitchFamily="18" charset="0"/>
+                                            </a:rPr>
+                                            <m:t>−</m:t>
+                                          </m:r>
+                                          <m:sSub>
+                                            <m:sSubPr>
+                                              <m:ctrlPr>
+                                                <a:rPr lang="en-US" sz="2400" i="1">
+                                                  <a:latin typeface="Cambria Math" panose="02040503050406030204" pitchFamily="18" charset="0"/>
+                                                </a:rPr>
+                                              </m:ctrlPr>
+                                            </m:sSubPr>
+                                            <m:e>
+                                              <m:acc>
+                                                <m:accPr>
+                                                  <m:chr m:val="̂"/>
+                                                  <m:ctrlPr>
+                                                    <a:rPr lang="en-US" sz="2400" i="1">
+                                                      <a:latin typeface="Cambria Math" panose="02040503050406030204" pitchFamily="18" charset="0"/>
+                                                    </a:rPr>
+                                                  </m:ctrlPr>
+                                                </m:accPr>
+                                                <m:e>
+                                                  <m:r>
+                                                    <a:rPr lang="en-US" sz="2400" i="1">
+                                                      <a:latin typeface="Cambria Math" panose="02040503050406030204" pitchFamily="18" charset="0"/>
+                                                    </a:rPr>
+                                                    <m:t>𝑣</m:t>
+                                                  </m:r>
+                                                </m:e>
+                                              </m:acc>
+                                            </m:e>
+                                            <m:sub>
+                                              <m:r>
+                                                <a:rPr lang="en-US" sz="2400" i="1">
+                                                  <a:latin typeface="Cambria Math" panose="02040503050406030204" pitchFamily="18" charset="0"/>
+                                                </a:rPr>
+                                                <m:t>3</m:t>
+                                              </m:r>
+                                              <m:r>
+                                                <a:rPr lang="en-US" sz="2400" i="1">
+                                                  <a:latin typeface="Cambria Math" panose="02040503050406030204" pitchFamily="18" charset="0"/>
+                                                </a:rPr>
+                                                <m:t>𝑥</m:t>
+                                              </m:r>
+                                              <m:r>
+                                                <a:rPr lang="en-US" sz="2400" i="1">
+                                                  <a:latin typeface="Cambria Math" panose="02040503050406030204" pitchFamily="18" charset="0"/>
+                                                </a:rPr>
+                                                <m:t>1</m:t>
+                                              </m:r>
+                                            </m:sub>
+                                          </m:sSub>
+                                        </m:e>
+                                      </m:mr>
+                                    </m:m>
+                                  </m:e>
+                                </m:mr>
+                              </m:m>
+                            </m:e>
+                          </m:mr>
+                        </m:m>
+                      </m:e>
+                    </m:d>
+                  </m:oMath>
+                </a14:m>
+                <a:r>
+                  <a:rPr lang="en-US" sz="2400" dirty="0"/>
+                  <a:t>,	   </a:t>
+                </a:r>
+                <a14:m>
+                  <m:oMath xmlns:m="http://schemas.openxmlformats.org/officeDocument/2006/math">
+                    <m:d>
+                      <m:dPr>
+                        <m:begChr m:val="["/>
+                        <m:endChr m:val="]"/>
+                        <m:ctrlPr>
+                          <a:rPr lang="en-US" sz="2400" i="1">
+                            <a:latin typeface="Cambria Math" panose="02040503050406030204" pitchFamily="18" charset="0"/>
+                          </a:rPr>
+                        </m:ctrlPr>
+                      </m:dPr>
+                      <m:e>
+                        <m:m>
+                          <m:mPr>
+                            <m:mcs>
+                              <m:mc>
+                                <m:mcPr>
+                                  <m:count m:val="3"/>
+                                  <m:mcJc m:val="center"/>
+                                </m:mcPr>
+                              </m:mc>
+                            </m:mcs>
+                            <m:ctrlPr>
+                              <a:rPr lang="en-US" sz="2400" i="1">
+                                <a:latin typeface="Cambria Math" panose="02040503050406030204" pitchFamily="18" charset="0"/>
+                              </a:rPr>
+                            </m:ctrlPr>
+                          </m:mPr>
+                          <m:mr>
+                            <m:e>
+                              <m:sSub>
+                                <m:sSubPr>
+                                  <m:ctrlPr>
+                                    <a:rPr lang="en-US" sz="2400" i="1" smtClean="0">
+                                      <a:solidFill>
+                                        <a:srgbClr val="C00000"/>
+                                      </a:solidFill>
+                                      <a:latin typeface="Cambria Math" panose="02040503050406030204" pitchFamily="18" charset="0"/>
+                                    </a:rPr>
+                                  </m:ctrlPr>
+                                </m:sSubPr>
+                                <m:e>
+                                  <m:r>
+                                    <a:rPr lang="en-US" sz="2400" i="1">
+                                      <a:solidFill>
+                                        <a:srgbClr val="C00000"/>
+                                      </a:solidFill>
+                                      <a:latin typeface="Cambria Math" panose="02040503050406030204" pitchFamily="18" charset="0"/>
+                                    </a:rPr>
+                                    <m:t>0</m:t>
+                                  </m:r>
+                                </m:e>
+                                <m:sub>
+                                  <m:r>
+                                    <a:rPr lang="en-US" sz="2400" b="0" i="1" smtClean="0">
+                                      <a:solidFill>
+                                        <a:srgbClr val="C00000"/>
+                                      </a:solidFill>
+                                      <a:latin typeface="Cambria Math" panose="02040503050406030204" pitchFamily="18" charset="0"/>
+                                    </a:rPr>
+                                    <m:t>1</m:t>
+                                  </m:r>
+                                  <m:r>
+                                    <a:rPr lang="en-US" sz="2400" i="1">
+                                      <a:solidFill>
+                                        <a:srgbClr val="C00000"/>
+                                      </a:solidFill>
+                                      <a:latin typeface="Cambria Math" panose="02040503050406030204" pitchFamily="18" charset="0"/>
+                                    </a:rPr>
+                                    <m:t>𝑥</m:t>
+                                  </m:r>
+                                  <m:r>
+                                    <a:rPr lang="en-US" sz="2400" i="1">
+                                      <a:solidFill>
+                                        <a:srgbClr val="C00000"/>
+                                      </a:solidFill>
+                                      <a:latin typeface="Cambria Math" panose="02040503050406030204" pitchFamily="18" charset="0"/>
+                                    </a:rPr>
+                                    <m:t>3</m:t>
+                                  </m:r>
+                                </m:sub>
+                              </m:sSub>
+                            </m:e>
+                            <m:e>
+                              <m:r>
+                                <m:rPr>
+                                  <m:brk m:alnAt="7"/>
+                                </m:rPr>
+                                <a:rPr lang="en-US" sz="2400" b="0" i="1" smtClean="0">
+                                  <a:solidFill>
+                                    <a:srgbClr val="C00000"/>
+                                  </a:solidFill>
+                                  <a:latin typeface="Cambria Math" panose="02040503050406030204" pitchFamily="18" charset="0"/>
+                                </a:rPr>
+                                <m:t>0 0 1</m:t>
+                              </m:r>
+                            </m:e>
+                            <m:e>
+                              <m:sSub>
+                                <m:sSubPr>
+                                  <m:ctrlPr>
+                                    <a:rPr lang="en-US" sz="2400" i="1" smtClean="0">
+                                      <a:solidFill>
+                                        <a:srgbClr val="C00000"/>
+                                      </a:solidFill>
+                                      <a:latin typeface="Cambria Math" panose="02040503050406030204" pitchFamily="18" charset="0"/>
+                                    </a:rPr>
+                                  </m:ctrlPr>
+                                </m:sSubPr>
+                                <m:e>
+                                  <m:r>
+                                    <a:rPr lang="en-US" sz="2400" i="1">
+                                      <a:solidFill>
+                                        <a:srgbClr val="C00000"/>
+                                      </a:solidFill>
+                                      <a:latin typeface="Cambria Math" panose="02040503050406030204" pitchFamily="18" charset="0"/>
+                                    </a:rPr>
+                                    <m:t>0</m:t>
+                                  </m:r>
+                                </m:e>
+                                <m:sub>
+                                  <m:r>
+                                    <a:rPr lang="en-US" sz="2400" i="1">
+                                      <a:solidFill>
+                                        <a:srgbClr val="C00000"/>
+                                      </a:solidFill>
+                                      <a:latin typeface="Cambria Math" panose="02040503050406030204" pitchFamily="18" charset="0"/>
+                                    </a:rPr>
+                                    <m:t>1</m:t>
+                                  </m:r>
+                                  <m:r>
+                                    <a:rPr lang="en-US" sz="2400" i="1">
+                                      <a:solidFill>
+                                        <a:srgbClr val="C00000"/>
+                                      </a:solidFill>
+                                      <a:latin typeface="Cambria Math" panose="02040503050406030204" pitchFamily="18" charset="0"/>
+                                    </a:rPr>
+                                    <m:t>𝑥</m:t>
+                                  </m:r>
+                                  <m:r>
+                                    <a:rPr lang="en-US" sz="2400" i="1">
+                                      <a:solidFill>
+                                        <a:srgbClr val="C00000"/>
+                                      </a:solidFill>
+                                      <a:latin typeface="Cambria Math" panose="02040503050406030204" pitchFamily="18" charset="0"/>
+                                    </a:rPr>
+                                    <m:t>3</m:t>
+                                  </m:r>
+                                </m:sub>
+                              </m:sSub>
+                            </m:e>
+                          </m:mr>
+                          <m:mr>
+                            <m:e>
+                              <m:m>
+                                <m:mPr>
+                                  <m:mcs>
+                                    <m:mc>
+                                      <m:mcPr>
+                                        <m:count m:val="1"/>
+                                        <m:mcJc m:val="center"/>
+                                      </m:mcPr>
+                                    </m:mc>
+                                  </m:mcs>
+                                  <m:ctrlPr>
+                                    <a:rPr lang="en-US" sz="2400" i="1">
+                                      <a:latin typeface="Cambria Math" panose="02040503050406030204" pitchFamily="18" charset="0"/>
+                                    </a:rPr>
+                                  </m:ctrlPr>
+                                </m:mPr>
+                                <m:mr>
+                                  <m:e>
+                                    <m:sSub>
+                                      <m:sSubPr>
+                                        <m:ctrlPr>
+                                          <a:rPr lang="en-US" sz="2400" i="1">
+                                            <a:latin typeface="Cambria Math" panose="02040503050406030204" pitchFamily="18" charset="0"/>
+                                          </a:rPr>
+                                        </m:ctrlPr>
+                                      </m:sSubPr>
+                                      <m:e>
+                                        <m:r>
+                                          <a:rPr lang="en-US" sz="2400" i="1">
+                                            <a:latin typeface="Cambria Math" panose="02040503050406030204" pitchFamily="18" charset="0"/>
+                                          </a:rPr>
+                                          <m:t>0</m:t>
+                                        </m:r>
+                                      </m:e>
+                                      <m:sub>
+                                        <m:r>
+                                          <a:rPr lang="en-US" sz="2400" i="1">
+                                            <a:latin typeface="Cambria Math" panose="02040503050406030204" pitchFamily="18" charset="0"/>
+                                          </a:rPr>
+                                          <m:t>3</m:t>
+                                        </m:r>
+                                        <m:r>
+                                          <a:rPr lang="en-US" sz="2400" i="1">
+                                            <a:latin typeface="Cambria Math" panose="02040503050406030204" pitchFamily="18" charset="0"/>
+                                          </a:rPr>
+                                          <m:t>𝑥</m:t>
+                                        </m:r>
+                                        <m:r>
+                                          <a:rPr lang="en-US" sz="2400" i="1">
+                                            <a:latin typeface="Cambria Math" panose="02040503050406030204" pitchFamily="18" charset="0"/>
+                                          </a:rPr>
+                                          <m:t>3</m:t>
+                                        </m:r>
+                                      </m:sub>
+                                    </m:sSub>
+                                  </m:e>
+                                </m:mr>
+                              </m:m>
+                            </m:e>
+                            <m:e>
+                              <m:m>
+                                <m:mPr>
+                                  <m:mcs>
+                                    <m:mc>
+                                      <m:mcPr>
+                                        <m:count m:val="1"/>
+                                        <m:mcJc m:val="center"/>
+                                      </m:mcPr>
+                                    </m:mc>
+                                  </m:mcs>
+                                  <m:ctrlPr>
+                                    <a:rPr lang="en-US" sz="2400" i="1">
+                                      <a:latin typeface="Cambria Math" panose="02040503050406030204" pitchFamily="18" charset="0"/>
+                                    </a:rPr>
+                                  </m:ctrlPr>
+                                </m:mPr>
+                                <m:mr>
+                                  <m:e>
+                                    <m:sSub>
+                                      <m:sSubPr>
+                                        <m:ctrlPr>
+                                          <a:rPr lang="en-US" sz="2400" i="1">
+                                            <a:latin typeface="Cambria Math" panose="02040503050406030204" pitchFamily="18" charset="0"/>
+                                          </a:rPr>
+                                        </m:ctrlPr>
+                                      </m:sSubPr>
+                                      <m:e>
+                                        <m:r>
+                                          <a:rPr lang="en-US" sz="2400" i="1">
+                                            <a:latin typeface="Cambria Math" panose="02040503050406030204" pitchFamily="18" charset="0"/>
+                                          </a:rPr>
+                                          <m:t>0</m:t>
+                                        </m:r>
+                                      </m:e>
+                                      <m:sub>
+                                        <m:r>
+                                          <a:rPr lang="en-US" sz="2400" i="1">
+                                            <a:latin typeface="Cambria Math" panose="02040503050406030204" pitchFamily="18" charset="0"/>
+                                          </a:rPr>
+                                          <m:t>3</m:t>
+                                        </m:r>
+                                        <m:r>
+                                          <a:rPr lang="en-US" sz="2400" i="1">
+                                            <a:latin typeface="Cambria Math" panose="02040503050406030204" pitchFamily="18" charset="0"/>
+                                          </a:rPr>
+                                          <m:t>𝑥</m:t>
+                                        </m:r>
+                                        <m:r>
+                                          <a:rPr lang="en-US" sz="2400" i="1">
+                                            <a:latin typeface="Cambria Math" panose="02040503050406030204" pitchFamily="18" charset="0"/>
+                                          </a:rPr>
+                                          <m:t>3</m:t>
+                                        </m:r>
+                                      </m:sub>
+                                    </m:sSub>
+                                  </m:e>
+                                </m:mr>
+                              </m:m>
+                            </m:e>
+                            <m:e>
+                              <m:m>
+                                <m:mPr>
+                                  <m:mcs>
+                                    <m:mc>
+                                      <m:mcPr>
+                                        <m:count m:val="1"/>
+                                        <m:mcJc m:val="center"/>
+                                      </m:mcPr>
+                                    </m:mc>
+                                  </m:mcs>
+                                  <m:ctrlPr>
+                                    <a:rPr lang="en-US" sz="2400" i="1">
+                                      <a:latin typeface="Cambria Math" panose="02040503050406030204" pitchFamily="18" charset="0"/>
+                                    </a:rPr>
+                                  </m:ctrlPr>
+                                </m:mPr>
+                                <m:mr>
+                                  <m:e>
+                                    <m:sSub>
+                                      <m:sSubPr>
+                                        <m:ctrlPr>
+                                          <a:rPr lang="en-US" sz="2400" i="1">
+                                            <a:latin typeface="Cambria Math" panose="02040503050406030204" pitchFamily="18" charset="0"/>
+                                          </a:rPr>
+                                        </m:ctrlPr>
+                                      </m:sSubPr>
+                                      <m:e>
+                                        <m:r>
+                                          <m:rPr>
+                                            <m:sty m:val="p"/>
+                                          </m:rPr>
+                                          <a:rPr lang="en-US" sz="2400">
+                                            <a:latin typeface="Cambria Math" panose="02040503050406030204" pitchFamily="18" charset="0"/>
+                                          </a:rPr>
+                                          <m:t>I</m:t>
+                                        </m:r>
+                                      </m:e>
+                                      <m:sub>
+                                        <m:r>
+                                          <a:rPr lang="en-US" sz="2400" i="1">
+                                            <a:latin typeface="Cambria Math" panose="02040503050406030204" pitchFamily="18" charset="0"/>
+                                          </a:rPr>
+                                          <m:t>3</m:t>
+                                        </m:r>
+                                        <m:r>
+                                          <a:rPr lang="en-US" sz="2400" i="1">
+                                            <a:latin typeface="Cambria Math" panose="02040503050406030204" pitchFamily="18" charset="0"/>
+                                          </a:rPr>
+                                          <m:t>𝑥</m:t>
+                                        </m:r>
+                                        <m:r>
+                                          <a:rPr lang="en-US" sz="2400" i="1">
+                                            <a:latin typeface="Cambria Math" panose="02040503050406030204" pitchFamily="18" charset="0"/>
+                                          </a:rPr>
+                                          <m:t>3</m:t>
+                                        </m:r>
+                                      </m:sub>
+                                    </m:sSub>
+                                  </m:e>
+                                </m:mr>
+                              </m:m>
+                            </m:e>
+                          </m:mr>
+                        </m:m>
+                      </m:e>
+                    </m:d>
+                  </m:oMath>
+                </a14:m>
+                <a:r>
+                  <a:rPr lang="en-US" sz="2600" dirty="0"/>
+                  <a:t>  and </a:t>
+                </a:r>
+                <a14:m>
+                  <m:oMath xmlns:m="http://schemas.openxmlformats.org/officeDocument/2006/math">
+                    <m:r>
+                      <m:rPr>
+                        <m:sty m:val="p"/>
+                      </m:rPr>
+                      <a:rPr lang="en-US" sz="2800">
+                        <a:latin typeface="Cambria Math" panose="02040503050406030204" pitchFamily="18" charset="0"/>
+                      </a:rPr>
+                      <m:t>R</m:t>
+                    </m:r>
+                    <m:r>
+                      <a:rPr lang="en-US" sz="2800">
+                        <a:latin typeface="Cambria Math" panose="02040503050406030204" pitchFamily="18" charset="0"/>
+                      </a:rPr>
+                      <m:t>= </m:t>
+                    </m:r>
+                    <m:d>
+                      <m:dPr>
+                        <m:begChr m:val="["/>
+                        <m:endChr m:val="]"/>
+                        <m:ctrlPr>
+                          <a:rPr lang="en-US" sz="2800" i="1">
+                            <a:latin typeface="Cambria Math" panose="02040503050406030204" pitchFamily="18" charset="0"/>
+                          </a:rPr>
+                        </m:ctrlPr>
+                      </m:dPr>
+                      <m:e>
+                        <m:m>
+                          <m:mPr>
+                            <m:mcs>
+                              <m:mc>
+                                <m:mcPr>
+                                  <m:count m:val="4"/>
+                                  <m:mcJc m:val="center"/>
+                                </m:mcPr>
+                              </m:mc>
+                            </m:mcs>
+                            <m:ctrlPr>
+                              <a:rPr lang="en-US" sz="2800" i="1">
+                                <a:latin typeface="Cambria Math" panose="02040503050406030204" pitchFamily="18" charset="0"/>
+                              </a:rPr>
+                            </m:ctrlPr>
+                          </m:mPr>
+                          <m:mr>
+                            <m:e>
+                              <m:sSub>
+                                <m:sSubPr>
+                                  <m:ctrlPr>
+                                    <a:rPr lang="en-US" sz="2800" i="1" smtClean="0">
+                                      <a:solidFill>
+                                        <a:srgbClr val="C00000"/>
+                                      </a:solidFill>
+                                      <a:latin typeface="Cambria Math" panose="02040503050406030204" pitchFamily="18" charset="0"/>
+                                    </a:rPr>
+                                  </m:ctrlPr>
+                                </m:sSubPr>
+                                <m:e>
+                                  <m:r>
+                                    <m:rPr>
+                                      <m:sty m:val="p"/>
+                                    </m:rPr>
+                                    <a:rPr lang="en-US" sz="2800">
+                                      <a:solidFill>
+                                        <a:srgbClr val="C00000"/>
+                                      </a:solidFill>
+                                      <a:latin typeface="Cambria Math" panose="02040503050406030204" pitchFamily="18" charset="0"/>
+                                    </a:rPr>
+                                    <m:t>r</m:t>
+                                  </m:r>
+                                </m:e>
+                                <m:sub>
+                                  <m:r>
+                                    <a:rPr lang="en-US" sz="2800" b="0" i="1" smtClean="0">
+                                      <a:solidFill>
+                                        <a:srgbClr val="C00000"/>
+                                      </a:solidFill>
+                                      <a:latin typeface="Cambria Math" panose="02040503050406030204" pitchFamily="18" charset="0"/>
+                                    </a:rPr>
+                                    <m:t>𝑝𝑜𝑠</m:t>
+                                  </m:r>
+                                </m:sub>
+                              </m:sSub>
+                            </m:e>
+                            <m:e>
+                              <m:r>
+                                <a:rPr lang="en-US" sz="2800" i="1" smtClean="0">
+                                  <a:solidFill>
+                                    <a:srgbClr val="C00000"/>
+                                  </a:solidFill>
+                                  <a:latin typeface="Cambria Math" panose="02040503050406030204" pitchFamily="18" charset="0"/>
+                                </a:rPr>
+                                <m:t>0</m:t>
+                              </m:r>
+                            </m:e>
+                            <m:e>
+                              <m:r>
+                                <a:rPr lang="en-US" sz="2800" i="1" smtClean="0">
+                                  <a:solidFill>
+                                    <a:srgbClr val="C00000"/>
+                                  </a:solidFill>
+                                  <a:latin typeface="Cambria Math" panose="02040503050406030204" pitchFamily="18" charset="0"/>
+                                </a:rPr>
+                                <m:t>0</m:t>
+                              </m:r>
+                            </m:e>
+                            <m:e>
+                              <m:r>
+                                <a:rPr lang="en-US" sz="2800" b="0" i="1" smtClean="0">
+                                  <a:solidFill>
+                                    <a:srgbClr val="C00000"/>
+                                  </a:solidFill>
+                                  <a:latin typeface="Cambria Math" panose="02040503050406030204" pitchFamily="18" charset="0"/>
+                                </a:rPr>
+                                <m:t>0</m:t>
+                              </m:r>
+                            </m:e>
+                          </m:mr>
+                          <m:mr>
+                            <m:e>
+                              <m:r>
+                                <a:rPr lang="en-US" sz="2800" i="1" smtClean="0">
+                                  <a:solidFill>
+                                    <a:srgbClr val="C00000"/>
+                                  </a:solidFill>
+                                  <a:latin typeface="Cambria Math" panose="02040503050406030204" pitchFamily="18" charset="0"/>
+                                </a:rPr>
+                                <m:t>0</m:t>
+                              </m:r>
+                            </m:e>
+                            <m:e>
+                              <m:sSub>
+                                <m:sSubPr>
+                                  <m:ctrlPr>
+                                    <a:rPr lang="en-US" sz="2800" i="1">
+                                      <a:latin typeface="Cambria Math" panose="02040503050406030204" pitchFamily="18" charset="0"/>
+                                    </a:rPr>
+                                  </m:ctrlPr>
+                                </m:sSubPr>
+                                <m:e>
+                                  <m:r>
+                                    <m:rPr>
+                                      <m:sty m:val="p"/>
+                                    </m:rPr>
+                                    <a:rPr lang="en-US" sz="2800">
+                                      <a:latin typeface="Cambria Math" panose="02040503050406030204" pitchFamily="18" charset="0"/>
+                                    </a:rPr>
+                                    <m:t>r</m:t>
+                                  </m:r>
+                                </m:e>
+                                <m:sub>
+                                  <m:r>
+                                    <a:rPr lang="en-US" sz="2800" i="1">
+                                      <a:latin typeface="Cambria Math" panose="02040503050406030204" pitchFamily="18" charset="0"/>
+                                    </a:rPr>
+                                    <m:t>𝑣𝑒𝑙</m:t>
+                                  </m:r>
+                                </m:sub>
+                              </m:sSub>
+                            </m:e>
+                            <m:e>
+                              <m:r>
+                                <a:rPr lang="en-US" sz="2800" i="1">
+                                  <a:latin typeface="Cambria Math" panose="02040503050406030204" pitchFamily="18" charset="0"/>
+                                </a:rPr>
+                                <m:t>0</m:t>
+                              </m:r>
+                            </m:e>
+                            <m:e>
+                              <m:r>
+                                <a:rPr lang="en-US" sz="2800" b="0" i="1" smtClean="0">
+                                  <a:latin typeface="Cambria Math" panose="02040503050406030204" pitchFamily="18" charset="0"/>
+                                </a:rPr>
+                                <m:t>0</m:t>
+                              </m:r>
+                            </m:e>
+                          </m:mr>
+                          <m:mr>
+                            <m:e>
+                              <m:r>
+                                <a:rPr lang="en-US" sz="2800" i="1" smtClean="0">
+                                  <a:solidFill>
+                                    <a:srgbClr val="C00000"/>
+                                  </a:solidFill>
+                                  <a:latin typeface="Cambria Math" panose="02040503050406030204" pitchFamily="18" charset="0"/>
+                                </a:rPr>
+                                <m:t>0</m:t>
+                              </m:r>
+                            </m:e>
+                            <m:e>
+                              <m:r>
+                                <a:rPr lang="en-US" sz="2800" i="1">
+                                  <a:latin typeface="Cambria Math" panose="02040503050406030204" pitchFamily="18" charset="0"/>
+                                </a:rPr>
+                                <m:t>0</m:t>
+                              </m:r>
+                            </m:e>
+                            <m:e>
+                              <m:sSub>
+                                <m:sSubPr>
+                                  <m:ctrlPr>
+                                    <a:rPr lang="en-US" sz="2800" i="1">
+                                      <a:latin typeface="Cambria Math" panose="02040503050406030204" pitchFamily="18" charset="0"/>
+                                    </a:rPr>
+                                  </m:ctrlPr>
+                                </m:sSubPr>
+                                <m:e>
+                                  <m:r>
+                                    <m:rPr>
+                                      <m:sty m:val="p"/>
+                                    </m:rPr>
+                                    <a:rPr lang="en-US" sz="2800">
+                                      <a:latin typeface="Cambria Math" panose="02040503050406030204" pitchFamily="18" charset="0"/>
+                                    </a:rPr>
+                                    <m:t>r</m:t>
+                                  </m:r>
+                                </m:e>
+                                <m:sub>
+                                  <m:r>
+                                    <a:rPr lang="en-US" sz="2800" i="1">
+                                      <a:latin typeface="Cambria Math" panose="02040503050406030204" pitchFamily="18" charset="0"/>
+                                    </a:rPr>
+                                    <m:t>𝑣𝑒𝑙</m:t>
+                                  </m:r>
+                                </m:sub>
+                              </m:sSub>
+                            </m:e>
+                            <m:e>
+                              <m:r>
+                                <a:rPr lang="en-US" sz="2800" b="0" i="1" smtClean="0">
+                                  <a:latin typeface="Cambria Math" panose="02040503050406030204" pitchFamily="18" charset="0"/>
+                                </a:rPr>
+                                <m:t>0</m:t>
+                              </m:r>
+                            </m:e>
+                          </m:mr>
+                          <m:mr>
+                            <m:e>
+                              <m:r>
+                                <a:rPr lang="en-US" sz="2800" b="0" i="1" smtClean="0">
+                                  <a:solidFill>
+                                    <a:srgbClr val="C00000"/>
+                                  </a:solidFill>
+                                  <a:latin typeface="Cambria Math" panose="02040503050406030204" pitchFamily="18" charset="0"/>
+                                </a:rPr>
+                                <m:t>0</m:t>
+                              </m:r>
+                            </m:e>
+                            <m:e>
+                              <m:r>
+                                <a:rPr lang="en-US" sz="2800" b="0" i="1" smtClean="0">
+                                  <a:latin typeface="Cambria Math" panose="02040503050406030204" pitchFamily="18" charset="0"/>
+                                </a:rPr>
+                                <m:t>0</m:t>
+                              </m:r>
+                            </m:e>
+                            <m:e>
+                              <m:r>
+                                <a:rPr lang="en-US" sz="2800" b="0" i="1" smtClean="0">
+                                  <a:latin typeface="Cambria Math" panose="02040503050406030204" pitchFamily="18" charset="0"/>
+                                </a:rPr>
+                                <m:t>0</m:t>
+                              </m:r>
+                            </m:e>
+                            <m:e>
+                              <m:sSub>
+                                <m:sSubPr>
+                                  <m:ctrlPr>
+                                    <a:rPr lang="en-US" sz="2800" i="1">
+                                      <a:latin typeface="Cambria Math" panose="02040503050406030204" pitchFamily="18" charset="0"/>
+                                    </a:rPr>
+                                  </m:ctrlPr>
+                                </m:sSubPr>
+                                <m:e>
+                                  <m:r>
+                                    <m:rPr>
+                                      <m:sty m:val="p"/>
+                                    </m:rPr>
+                                    <a:rPr lang="en-US" sz="2800">
+                                      <a:latin typeface="Cambria Math" panose="02040503050406030204" pitchFamily="18" charset="0"/>
+                                    </a:rPr>
+                                    <m:t>r</m:t>
+                                  </m:r>
+                                </m:e>
+                                <m:sub>
+                                  <m:r>
+                                    <a:rPr lang="en-US" sz="2800" i="1">
+                                      <a:latin typeface="Cambria Math" panose="02040503050406030204" pitchFamily="18" charset="0"/>
+                                    </a:rPr>
+                                    <m:t>𝑣𝑒𝑙</m:t>
+                                  </m:r>
+                                </m:sub>
+                              </m:sSub>
+                            </m:e>
+                          </m:mr>
+                        </m:m>
+                      </m:e>
+                    </m:d>
+                  </m:oMath>
+                </a14:m>
+                <a:br>
+                  <a:rPr lang="en-US" sz="2600" dirty="0"/>
+                </a:br>
+                <a:endParaRPr lang="en-US" sz="2600" kern="100" dirty="0">
+                  <a:ea typeface="Malgun Gothic" panose="020B0503020000020004" pitchFamily="34" charset="-127"/>
+                </a:endParaRPr>
+              </a:p>
+            </p:txBody>
+          </p:sp>
+        </mc:Choice>
+        <mc:Fallback>
+          <p:sp>
+            <p:nvSpPr>
+              <p:cNvPr id="4" name="Content Placeholder 2">
+                <a:extLst>
+                  <a:ext uri="{FF2B5EF4-FFF2-40B4-BE49-F238E27FC236}">
+                    <a16:creationId xmlns:a16="http://schemas.microsoft.com/office/drawing/2014/main" id="{DB604811-1DD0-D2B2-D47E-B4517DC440F3}"/>
+                  </a:ext>
+                </a:extLst>
+              </p:cNvPr>
+              <p:cNvSpPr txBox="1">
+                <a:spLocks noRot="1" noChangeAspect="1" noMove="1" noResize="1" noEditPoints="1" noAdjustHandles="1" noChangeArrowheads="1" noChangeShapeType="1" noTextEdit="1"/>
+              </p:cNvSpPr>
+              <p:nvPr/>
+            </p:nvSpPr>
+            <p:spPr bwMode="auto">
+              <a:xfrm>
+                <a:off x="285709" y="862409"/>
+                <a:ext cx="11620580" cy="5599552"/>
+              </a:xfrm>
+              <a:prstGeom prst="rect">
+                <a:avLst/>
+              </a:prstGeom>
+              <a:blipFill>
+                <a:blip r:embed="rId3"/>
+                <a:stretch>
+                  <a:fillRect/>
+                </a:stretch>
+              </a:blipFill>
+              <a:ln w="9525">
+                <a:noFill/>
+                <a:miter lim="800000"/>
+                <a:headEnd/>
+                <a:tailEnd/>
+              </a:ln>
+            </p:spPr>
+            <p:txBody>
+              <a:bodyPr/>
+              <a:lstStyle/>
+              <a:p>
+                <a:r>
+                  <a:rPr lang="en-US">
+                    <a:noFill/>
+                  </a:rPr>
+                  <a:t> </a:t>
+                </a:r>
+              </a:p>
+            </p:txBody>
+          </p:sp>
+        </mc:Fallback>
+      </mc:AlternateContent>
+      <p:cxnSp>
+        <p:nvCxnSpPr>
+          <p:cNvPr id="5" name="Straight Arrow Connector 4">
+            <a:extLst>
+              <a:ext uri="{FF2B5EF4-FFF2-40B4-BE49-F238E27FC236}">
+                <a16:creationId xmlns:a16="http://schemas.microsoft.com/office/drawing/2014/main" id="{0E49B3CF-1734-F75A-4F38-C02452F501F3}"/>
+              </a:ext>
+            </a:extLst>
+          </p:cNvPr>
+          <p:cNvCxnSpPr>
+            <a:cxnSpLocks/>
+          </p:cNvCxnSpPr>
+          <p:nvPr/>
+        </p:nvCxnSpPr>
+        <p:spPr>
+          <a:xfrm>
+            <a:off x="2382983" y="2910369"/>
+            <a:ext cx="0" cy="1834813"/>
+          </a:xfrm>
+          <a:prstGeom prst="straightConnector1">
+            <a:avLst/>
+          </a:prstGeom>
+          <a:ln w="15875">
+            <a:solidFill>
+              <a:srgbClr val="FF0000"/>
+            </a:solidFill>
+            <a:tailEnd type="triangle"/>
+          </a:ln>
+        </p:spPr>
+        <p:style>
+          <a:lnRef idx="1">
+            <a:schemeClr val="accent1"/>
+          </a:lnRef>
+          <a:fillRef idx="0">
+            <a:schemeClr val="accent1"/>
+          </a:fillRef>
+          <a:effectRef idx="0">
+            <a:schemeClr val="accent1"/>
+          </a:effectRef>
+          <a:fontRef idx="minor">
+            <a:schemeClr val="tx1"/>
+          </a:fontRef>
+        </p:style>
+      </p:cxnSp>
+      <p:cxnSp>
+        <p:nvCxnSpPr>
+          <p:cNvPr id="7" name="Straight Arrow Connector 6">
+            <a:extLst>
+              <a:ext uri="{FF2B5EF4-FFF2-40B4-BE49-F238E27FC236}">
+                <a16:creationId xmlns:a16="http://schemas.microsoft.com/office/drawing/2014/main" id="{62EC1AF1-A56E-42F8-7852-96EBBA474518}"/>
+              </a:ext>
+            </a:extLst>
+          </p:cNvPr>
+          <p:cNvCxnSpPr>
+            <a:cxnSpLocks/>
+          </p:cNvCxnSpPr>
+          <p:nvPr/>
+        </p:nvCxnSpPr>
+        <p:spPr>
+          <a:xfrm>
+            <a:off x="4800602" y="2982647"/>
+            <a:ext cx="0" cy="1762535"/>
+          </a:xfrm>
+          <a:prstGeom prst="straightConnector1">
+            <a:avLst/>
+          </a:prstGeom>
+          <a:ln w="15875">
+            <a:solidFill>
+              <a:srgbClr val="FF0000"/>
+            </a:solidFill>
+            <a:tailEnd type="triangle"/>
+          </a:ln>
+        </p:spPr>
+        <p:style>
+          <a:lnRef idx="1">
+            <a:schemeClr val="accent1"/>
+          </a:lnRef>
+          <a:fillRef idx="0">
+            <a:schemeClr val="accent1"/>
+          </a:fillRef>
+          <a:effectRef idx="0">
+            <a:schemeClr val="accent1"/>
+          </a:effectRef>
+          <a:fontRef idx="minor">
+            <a:schemeClr val="tx1"/>
+          </a:fontRef>
+        </p:style>
+      </p:cxnSp>
+      <p:cxnSp>
+        <p:nvCxnSpPr>
+          <p:cNvPr id="8" name="Straight Arrow Connector 7">
+            <a:extLst>
+              <a:ext uri="{FF2B5EF4-FFF2-40B4-BE49-F238E27FC236}">
+                <a16:creationId xmlns:a16="http://schemas.microsoft.com/office/drawing/2014/main" id="{219AB0FE-5D05-BB7E-30B8-0CF1D51694CF}"/>
+              </a:ext>
+            </a:extLst>
+          </p:cNvPr>
+          <p:cNvCxnSpPr>
+            <a:cxnSpLocks/>
+          </p:cNvCxnSpPr>
+          <p:nvPr/>
+        </p:nvCxnSpPr>
+        <p:spPr>
+          <a:xfrm>
+            <a:off x="9531928" y="3259739"/>
+            <a:ext cx="0" cy="1055952"/>
+          </a:xfrm>
+          <a:prstGeom prst="straightConnector1">
+            <a:avLst/>
+          </a:prstGeom>
+          <a:ln w="15875">
+            <a:solidFill>
+              <a:srgbClr val="FF0000"/>
+            </a:solidFill>
+            <a:tailEnd type="triangle"/>
+          </a:ln>
+        </p:spPr>
+        <p:style>
+          <a:lnRef idx="1">
+            <a:schemeClr val="accent1"/>
+          </a:lnRef>
+          <a:fillRef idx="0">
+            <a:schemeClr val="accent1"/>
+          </a:fillRef>
+          <a:effectRef idx="0">
+            <a:schemeClr val="accent1"/>
+          </a:effectRef>
+          <a:fontRef idx="minor">
+            <a:schemeClr val="tx1"/>
+          </a:fontRef>
+        </p:style>
+      </p:cxnSp>
+      <p:cxnSp>
+        <p:nvCxnSpPr>
+          <p:cNvPr id="16" name="Straight Arrow Connector 15">
+            <a:extLst>
+              <a:ext uri="{FF2B5EF4-FFF2-40B4-BE49-F238E27FC236}">
+                <a16:creationId xmlns:a16="http://schemas.microsoft.com/office/drawing/2014/main" id="{A5E309D0-9DDA-90EC-F79C-A9168CDBC664}"/>
+              </a:ext>
+            </a:extLst>
+          </p:cNvPr>
+          <p:cNvCxnSpPr>
+            <a:cxnSpLocks/>
+          </p:cNvCxnSpPr>
+          <p:nvPr/>
+        </p:nvCxnSpPr>
+        <p:spPr>
+          <a:xfrm flipH="1">
+            <a:off x="3255818" y="1759527"/>
+            <a:ext cx="1690255" cy="644237"/>
+          </a:xfrm>
+          <a:prstGeom prst="straightConnector1">
+            <a:avLst/>
+          </a:prstGeom>
+          <a:ln w="15875">
+            <a:solidFill>
+              <a:srgbClr val="FF0000"/>
+            </a:solidFill>
+            <a:tailEnd type="triangle"/>
+          </a:ln>
+        </p:spPr>
+        <p:style>
+          <a:lnRef idx="1">
+            <a:schemeClr val="accent1"/>
+          </a:lnRef>
+          <a:fillRef idx="0">
+            <a:schemeClr val="accent1"/>
+          </a:fillRef>
+          <a:effectRef idx="0">
+            <a:schemeClr val="accent1"/>
+          </a:effectRef>
+          <a:fontRef idx="minor">
+            <a:schemeClr val="tx1"/>
+          </a:fontRef>
+        </p:style>
+      </p:cxnSp>
+      <p:cxnSp>
+        <p:nvCxnSpPr>
+          <p:cNvPr id="19" name="Straight Arrow Connector 18">
+            <a:extLst>
+              <a:ext uri="{FF2B5EF4-FFF2-40B4-BE49-F238E27FC236}">
+                <a16:creationId xmlns:a16="http://schemas.microsoft.com/office/drawing/2014/main" id="{04CC0E78-5DB6-119C-8158-AF36D636B509}"/>
+              </a:ext>
+            </a:extLst>
+          </p:cNvPr>
+          <p:cNvCxnSpPr>
+            <a:cxnSpLocks/>
+          </p:cNvCxnSpPr>
+          <p:nvPr/>
+        </p:nvCxnSpPr>
+        <p:spPr>
+          <a:xfrm flipH="1">
+            <a:off x="5126182" y="1835727"/>
+            <a:ext cx="471054" cy="498764"/>
+          </a:xfrm>
+          <a:prstGeom prst="straightConnector1">
+            <a:avLst/>
+          </a:prstGeom>
+          <a:ln w="15875">
+            <a:solidFill>
+              <a:srgbClr val="FF0000"/>
+            </a:solidFill>
+            <a:tailEnd type="triangle"/>
+          </a:ln>
+        </p:spPr>
+        <p:style>
+          <a:lnRef idx="1">
+            <a:schemeClr val="accent1"/>
+          </a:lnRef>
+          <a:fillRef idx="0">
+            <a:schemeClr val="accent1"/>
+          </a:fillRef>
+          <a:effectRef idx="0">
+            <a:schemeClr val="accent1"/>
+          </a:effectRef>
+          <a:fontRef idx="minor">
+            <a:schemeClr val="tx1"/>
+          </a:fontRef>
+        </p:style>
+      </p:cxnSp>
+      <p:cxnSp>
+        <p:nvCxnSpPr>
+          <p:cNvPr id="22" name="Straight Arrow Connector 21">
+            <a:extLst>
+              <a:ext uri="{FF2B5EF4-FFF2-40B4-BE49-F238E27FC236}">
+                <a16:creationId xmlns:a16="http://schemas.microsoft.com/office/drawing/2014/main" id="{52F203FD-6953-83C0-AF88-0C374543709E}"/>
+              </a:ext>
+            </a:extLst>
+          </p:cNvPr>
+          <p:cNvCxnSpPr>
+            <a:cxnSpLocks/>
+          </p:cNvCxnSpPr>
+          <p:nvPr/>
+        </p:nvCxnSpPr>
+        <p:spPr>
+          <a:xfrm>
+            <a:off x="5978237" y="1854417"/>
+            <a:ext cx="187036" cy="202983"/>
+          </a:xfrm>
+          <a:prstGeom prst="straightConnector1">
+            <a:avLst/>
+          </a:prstGeom>
+          <a:ln w="15875">
+            <a:solidFill>
+              <a:srgbClr val="FF0000"/>
+            </a:solidFill>
+            <a:tailEnd type="triangle"/>
+          </a:ln>
+        </p:spPr>
+        <p:style>
+          <a:lnRef idx="1">
+            <a:schemeClr val="accent1"/>
+          </a:lnRef>
+          <a:fillRef idx="0">
+            <a:schemeClr val="accent1"/>
+          </a:fillRef>
+          <a:effectRef idx="0">
+            <a:schemeClr val="accent1"/>
+          </a:effectRef>
+          <a:fontRef idx="minor">
+            <a:schemeClr val="tx1"/>
+          </a:fontRef>
+        </p:style>
+      </p:cxnSp>
+      <p:cxnSp>
+        <p:nvCxnSpPr>
+          <p:cNvPr id="24" name="Straight Arrow Connector 23">
+            <a:extLst>
+              <a:ext uri="{FF2B5EF4-FFF2-40B4-BE49-F238E27FC236}">
+                <a16:creationId xmlns:a16="http://schemas.microsoft.com/office/drawing/2014/main" id="{6492F54E-522B-BF4F-E2E0-4535DC4E97BD}"/>
+              </a:ext>
+            </a:extLst>
+          </p:cNvPr>
+          <p:cNvCxnSpPr>
+            <a:cxnSpLocks/>
+          </p:cNvCxnSpPr>
+          <p:nvPr/>
+        </p:nvCxnSpPr>
+        <p:spPr>
+          <a:xfrm>
+            <a:off x="6490855" y="1759527"/>
+            <a:ext cx="1780309" cy="381000"/>
+          </a:xfrm>
+          <a:prstGeom prst="straightConnector1">
+            <a:avLst/>
+          </a:prstGeom>
+          <a:ln w="15875">
+            <a:solidFill>
+              <a:srgbClr val="FF0000"/>
+            </a:solidFill>
+            <a:tailEnd type="triangle"/>
+          </a:ln>
+        </p:spPr>
+        <p:style>
+          <a:lnRef idx="1">
+            <a:schemeClr val="accent1"/>
+          </a:lnRef>
+          <a:fillRef idx="0">
+            <a:schemeClr val="accent1"/>
+          </a:fillRef>
+          <a:effectRef idx="0">
+            <a:schemeClr val="accent1"/>
+          </a:effectRef>
+          <a:fontRef idx="minor">
+            <a:schemeClr val="tx1"/>
+          </a:fontRef>
+        </p:style>
+      </p:cxnSp>
     </p:spTree>
     <p:extLst>
       <p:ext uri="{BB962C8B-B14F-4D97-AF65-F5344CB8AC3E}">
@@ -8490,7 +10833,7 @@
                 <a:ea typeface="Calibri" panose="020F0502020204030204" pitchFamily="34" charset="0"/>
                 <a:cs typeface="Calibri" panose="020F0502020204030204" pitchFamily="34" charset="0"/>
               </a:rPr>
-              <a:t>Project 1</a:t>
+              <a:t>Project 1 – Results for longwalking1.mat</a:t>
             </a:r>
           </a:p>
         </p:txBody>
@@ -8626,8 +10969,8 @@
           </a:prstGeom>
         </p:spPr>
       </p:pic>
-      <mc:AlternateContent xmlns:mc="http://schemas.openxmlformats.org/markup-compatibility/2006">
-        <mc:Choice xmlns:a14="http://schemas.microsoft.com/office/drawing/2010/main" Requires="a14">
+      <mc:AlternateContent xmlns:mc="http://schemas.openxmlformats.org/markup-compatibility/2006" xmlns:a14="http://schemas.microsoft.com/office/drawing/2010/main">
+        <mc:Choice Requires="a14">
           <p:sp>
             <p:nvSpPr>
               <p:cNvPr id="12" name="TextBox 11">
@@ -8715,7 +11058,7 @@
             </p:txBody>
           </p:sp>
         </mc:Choice>
-        <mc:Fallback>
+        <mc:Fallback xmlns="">
           <p:sp>
             <p:nvSpPr>
               <p:cNvPr id="12" name="TextBox 11">
@@ -8760,8 +11103,8 @@
           </p:sp>
         </mc:Fallback>
       </mc:AlternateContent>
-      <mc:AlternateContent xmlns:mc="http://schemas.openxmlformats.org/markup-compatibility/2006">
-        <mc:Choice xmlns:a14="http://schemas.microsoft.com/office/drawing/2010/main" Requires="a14">
+      <mc:AlternateContent xmlns:mc="http://schemas.openxmlformats.org/markup-compatibility/2006" xmlns:a14="http://schemas.microsoft.com/office/drawing/2010/main">
+        <mc:Choice Requires="a14">
           <p:sp>
             <p:nvSpPr>
               <p:cNvPr id="13" name="TextBox 12">
@@ -8849,7 +11192,7 @@
             </p:txBody>
           </p:sp>
         </mc:Choice>
-        <mc:Fallback>
+        <mc:Fallback xmlns="">
           <p:sp>
             <p:nvSpPr>
               <p:cNvPr id="13" name="TextBox 12">
@@ -8960,8 +11303,24 @@
                 <a:ea typeface="Calibri" panose="020F0502020204030204" pitchFamily="34" charset="0"/>
                 <a:cs typeface="Calibri" panose="020F0502020204030204" pitchFamily="34" charset="0"/>
               </a:rPr>
-              <a:t>Project 2</a:t>
+              <a:t>Project 2 - </a:t>
             </a:r>
+            <a:r>
+              <a:rPr lang="en-US" sz="3000" kern="100" dirty="0">
+                <a:latin typeface="Calibri" panose="020F0502020204030204" pitchFamily="34" charset="0"/>
+                <a:ea typeface="Calibri" panose="020F0502020204030204" pitchFamily="34" charset="0"/>
+                <a:cs typeface="Calibri" panose="020F0502020204030204" pitchFamily="34" charset="0"/>
+              </a:rPr>
+              <a:t>Zero velocity detection</a:t>
+            </a:r>
+            <a:endParaRPr lang="en-US" sz="3000" dirty="0">
+              <a:solidFill>
+                <a:srgbClr val="000000"/>
+              </a:solidFill>
+              <a:latin typeface="Calibri" panose="020F0502020204030204" pitchFamily="34" charset="0"/>
+              <a:ea typeface="Calibri" panose="020F0502020204030204" pitchFamily="34" charset="0"/>
+              <a:cs typeface="Calibri" panose="020F0502020204030204" pitchFamily="34" charset="0"/>
+            </a:endParaRPr>
           </a:p>
         </p:txBody>
       </p:sp>
@@ -9026,6 +11385,679 @@
           </a:p>
         </p:txBody>
       </p:sp>
+      <mc:AlternateContent xmlns:mc="http://schemas.openxmlformats.org/markup-compatibility/2006">
+        <mc:Choice xmlns:a14="http://schemas.microsoft.com/office/drawing/2010/main" Requires="a14">
+          <p:sp>
+            <p:nvSpPr>
+              <p:cNvPr id="4" name="Content Placeholder 2">
+                <a:extLst>
+                  <a:ext uri="{FF2B5EF4-FFF2-40B4-BE49-F238E27FC236}">
+                    <a16:creationId xmlns:a16="http://schemas.microsoft.com/office/drawing/2014/main" id="{61A793FA-ECF9-9BE0-59A7-436F24F582F7}"/>
+                  </a:ext>
+                </a:extLst>
+              </p:cNvPr>
+              <p:cNvSpPr txBox="1">
+                <a:spLocks/>
+              </p:cNvSpPr>
+              <p:nvPr/>
+            </p:nvSpPr>
+            <p:spPr bwMode="auto">
+              <a:xfrm>
+                <a:off x="285709" y="1030414"/>
+                <a:ext cx="11620580" cy="5599552"/>
+              </a:xfrm>
+              <a:prstGeom prst="rect">
+                <a:avLst/>
+              </a:prstGeom>
+              <a:noFill/>
+              <a:ln w="9525">
+                <a:noFill/>
+                <a:miter lim="800000"/>
+                <a:headEnd/>
+                <a:tailEnd/>
+              </a:ln>
+            </p:spPr>
+            <p:txBody>
+              <a:bodyPr vert="horz" wrap="square" lIns="91440" tIns="45720" rIns="91440" bIns="45720" numCol="1" anchor="t" anchorCtr="0" compatLnSpc="1">
+                <a:prstTxWarp prst="textNoShape">
+                  <a:avLst/>
+                </a:prstTxWarp>
+              </a:bodyPr>
+              <a:lstStyle>
+                <a:lvl1pPr marL="342900" indent="-342900" algn="l" rtl="0" eaLnBrk="0" fontAlgn="base" latinLnBrk="1" hangingPunct="0">
+                  <a:spcBef>
+                    <a:spcPct val="20000"/>
+                  </a:spcBef>
+                  <a:spcAft>
+                    <a:spcPct val="0"/>
+                  </a:spcAft>
+                  <a:buFont typeface="Arial" charset="0"/>
+                  <a:buChar char="•"/>
+                  <a:defRPr sz="1800" kern="1200" baseline="0">
+                    <a:solidFill>
+                      <a:schemeClr val="tx1"/>
+                    </a:solidFill>
+                    <a:latin typeface="Times New Roman" pitchFamily="18" charset="0"/>
+                    <a:ea typeface="+mn-ea"/>
+                    <a:cs typeface="Times New Roman" pitchFamily="18" charset="0"/>
+                  </a:defRPr>
+                </a:lvl1pPr>
+                <a:lvl2pPr marL="742950" indent="-285750" algn="l" rtl="0" eaLnBrk="0" fontAlgn="base" latinLnBrk="1" hangingPunct="0">
+                  <a:spcBef>
+                    <a:spcPct val="20000"/>
+                  </a:spcBef>
+                  <a:spcAft>
+                    <a:spcPct val="0"/>
+                  </a:spcAft>
+                  <a:buFont typeface="Arial" charset="0"/>
+                  <a:buChar char="–"/>
+                  <a:defRPr sz="1800" kern="1200" baseline="0">
+                    <a:solidFill>
+                      <a:schemeClr val="tx1"/>
+                    </a:solidFill>
+                    <a:latin typeface="Times New Roman" pitchFamily="18" charset="0"/>
+                    <a:ea typeface="+mn-ea"/>
+                    <a:cs typeface="Times New Roman" pitchFamily="18" charset="0"/>
+                  </a:defRPr>
+                </a:lvl2pPr>
+                <a:lvl3pPr marL="1143000" indent="-228600" algn="l" rtl="0" eaLnBrk="0" fontAlgn="base" latinLnBrk="1" hangingPunct="0">
+                  <a:spcBef>
+                    <a:spcPct val="20000"/>
+                  </a:spcBef>
+                  <a:spcAft>
+                    <a:spcPct val="0"/>
+                  </a:spcAft>
+                  <a:buFont typeface="Arial" charset="0"/>
+                  <a:buChar char="•"/>
+                  <a:defRPr sz="1800" kern="1200" baseline="0">
+                    <a:solidFill>
+                      <a:schemeClr val="tx1"/>
+                    </a:solidFill>
+                    <a:latin typeface="Times New Roman" pitchFamily="18" charset="0"/>
+                    <a:ea typeface="+mn-ea"/>
+                    <a:cs typeface="Times New Roman" pitchFamily="18" charset="0"/>
+                  </a:defRPr>
+                </a:lvl3pPr>
+                <a:lvl4pPr marL="1600200" indent="-228600" algn="l" rtl="0" eaLnBrk="0" fontAlgn="base" latinLnBrk="1" hangingPunct="0">
+                  <a:spcBef>
+                    <a:spcPct val="20000"/>
+                  </a:spcBef>
+                  <a:spcAft>
+                    <a:spcPct val="0"/>
+                  </a:spcAft>
+                  <a:buFont typeface="Arial" charset="0"/>
+                  <a:buChar char="–"/>
+                  <a:defRPr sz="1600" kern="1200" baseline="0">
+                    <a:solidFill>
+                      <a:schemeClr val="tx1"/>
+                    </a:solidFill>
+                    <a:latin typeface="Times New Roman" pitchFamily="18" charset="0"/>
+                    <a:ea typeface="+mn-ea"/>
+                    <a:cs typeface="Times New Roman" pitchFamily="18" charset="0"/>
+                  </a:defRPr>
+                </a:lvl4pPr>
+                <a:lvl5pPr marL="2057400" indent="-228600" algn="l" rtl="0" eaLnBrk="0" fontAlgn="base" latinLnBrk="1" hangingPunct="0">
+                  <a:spcBef>
+                    <a:spcPct val="20000"/>
+                  </a:spcBef>
+                  <a:spcAft>
+                    <a:spcPct val="0"/>
+                  </a:spcAft>
+                  <a:buFont typeface="Arial" charset="0"/>
+                  <a:buChar char="»"/>
+                  <a:defRPr sz="1600" kern="1200" baseline="0">
+                    <a:solidFill>
+                      <a:schemeClr val="tx1"/>
+                    </a:solidFill>
+                    <a:latin typeface="Times New Roman" pitchFamily="18" charset="0"/>
+                    <a:ea typeface="+mn-ea"/>
+                    <a:cs typeface="Times New Roman" pitchFamily="18" charset="0"/>
+                  </a:defRPr>
+                </a:lvl5pPr>
+                <a:lvl6pPr marL="2514600" indent="-228600" algn="l" defTabSz="914400" rtl="0" eaLnBrk="1" latinLnBrk="1" hangingPunct="1">
+                  <a:spcBef>
+                    <a:spcPct val="20000"/>
+                  </a:spcBef>
+                  <a:buFont typeface="Arial" pitchFamily="34" charset="0"/>
+                  <a:buChar char="•"/>
+                  <a:defRPr sz="2000" kern="1200">
+                    <a:solidFill>
+                      <a:schemeClr val="tx1"/>
+                    </a:solidFill>
+                    <a:latin typeface="+mn-lt"/>
+                    <a:ea typeface="+mn-ea"/>
+                    <a:cs typeface="+mn-cs"/>
+                  </a:defRPr>
+                </a:lvl6pPr>
+                <a:lvl7pPr marL="2971800" indent="-228600" algn="l" defTabSz="914400" rtl="0" eaLnBrk="1" latinLnBrk="1" hangingPunct="1">
+                  <a:spcBef>
+                    <a:spcPct val="20000"/>
+                  </a:spcBef>
+                  <a:buFont typeface="Arial" pitchFamily="34" charset="0"/>
+                  <a:buChar char="•"/>
+                  <a:defRPr sz="2000" kern="1200">
+                    <a:solidFill>
+                      <a:schemeClr val="tx1"/>
+                    </a:solidFill>
+                    <a:latin typeface="+mn-lt"/>
+                    <a:ea typeface="+mn-ea"/>
+                    <a:cs typeface="+mn-cs"/>
+                  </a:defRPr>
+                </a:lvl7pPr>
+                <a:lvl8pPr marL="3429000" indent="-228600" algn="l" defTabSz="914400" rtl="0" eaLnBrk="1" latinLnBrk="1" hangingPunct="1">
+                  <a:spcBef>
+                    <a:spcPct val="20000"/>
+                  </a:spcBef>
+                  <a:buFont typeface="Arial" pitchFamily="34" charset="0"/>
+                  <a:buChar char="•"/>
+                  <a:defRPr sz="2000" kern="1200">
+                    <a:solidFill>
+                      <a:schemeClr val="tx1"/>
+                    </a:solidFill>
+                    <a:latin typeface="+mn-lt"/>
+                    <a:ea typeface="+mn-ea"/>
+                    <a:cs typeface="+mn-cs"/>
+                  </a:defRPr>
+                </a:lvl8pPr>
+                <a:lvl9pPr marL="3886200" indent="-228600" algn="l" defTabSz="914400" rtl="0" eaLnBrk="1" latinLnBrk="1" hangingPunct="1">
+                  <a:spcBef>
+                    <a:spcPct val="20000"/>
+                  </a:spcBef>
+                  <a:buFont typeface="Arial" pitchFamily="34" charset="0"/>
+                  <a:buChar char="•"/>
+                  <a:defRPr sz="2000" kern="1200">
+                    <a:solidFill>
+                      <a:schemeClr val="tx1"/>
+                    </a:solidFill>
+                    <a:latin typeface="+mn-lt"/>
+                    <a:ea typeface="+mn-ea"/>
+                    <a:cs typeface="+mn-cs"/>
+                  </a:defRPr>
+                </a:lvl9pPr>
+              </a:lstStyle>
+              <a:p>
+                <a:pPr marL="227013" indent="0">
+                  <a:spcBef>
+                    <a:spcPts val="600"/>
+                  </a:spcBef>
+                  <a:spcAft>
+                    <a:spcPts val="600"/>
+                  </a:spcAft>
+                  <a:buNone/>
+                </a:pPr>
+                <a:r>
+                  <a:rPr lang="en-US" sz="2600" kern="100" dirty="0">
+                    <a:ea typeface="Malgun Gothic" panose="020B0503020000020004" pitchFamily="34" charset="-127"/>
+                  </a:rPr>
+                  <a:t>Goal: find the interval less than a </a:t>
+                </a:r>
+                <a:r>
+                  <a:rPr lang="en-US" sz="2600" u="sng" kern="100" dirty="0">
+                    <a:ea typeface="Malgun Gothic" panose="020B0503020000020004" pitchFamily="34" charset="-127"/>
+                  </a:rPr>
+                  <a:t>threshold</a:t>
+                </a:r>
+                <a:r>
+                  <a:rPr lang="en-US" sz="2600" kern="100" dirty="0">
+                    <a:ea typeface="Malgun Gothic" panose="020B0503020000020004" pitchFamily="34" charset="-127"/>
+                  </a:rPr>
+                  <a:t> in a minimum </a:t>
+                </a:r>
+                <a:r>
+                  <a:rPr lang="en-US" sz="2600" u="sng" kern="100" dirty="0">
+                    <a:ea typeface="Malgun Gothic" panose="020B0503020000020004" pitchFamily="34" charset="-127"/>
+                  </a:rPr>
+                  <a:t>length</a:t>
+                </a:r>
+              </a:p>
+              <a:p>
+                <a:pPr marL="227013" indent="0">
+                  <a:spcBef>
+                    <a:spcPts val="600"/>
+                  </a:spcBef>
+                  <a:spcAft>
+                    <a:spcPts val="600"/>
+                  </a:spcAft>
+                  <a:buNone/>
+                </a:pPr>
+                <a:r>
+                  <a:rPr lang="en-US" sz="2600" kern="100" dirty="0">
+                    <a:ea typeface="Malgun Gothic" panose="020B0503020000020004" pitchFamily="34" charset="-127"/>
+                  </a:rPr>
+                  <a:t>Observation: the duration that a foot touches the ground is short</a:t>
+                </a:r>
+              </a:p>
+              <a:p>
+                <a:pPr marL="227013" indent="0">
+                  <a:spcBef>
+                    <a:spcPts val="600"/>
+                  </a:spcBef>
+                  <a:spcAft>
+                    <a:spcPts val="600"/>
+                  </a:spcAft>
+                  <a:buNone/>
+                </a:pPr>
+                <a:r>
+                  <a:rPr lang="en-US" sz="2600" b="0" i="0" dirty="0">
+                    <a:effectLst/>
+                  </a:rPr>
+                  <a:t>Solution:</a:t>
+                </a:r>
+              </a:p>
+              <a:p>
+                <a:pPr marL="1084263" lvl="1" indent="-457200">
+                  <a:spcBef>
+                    <a:spcPts val="600"/>
+                  </a:spcBef>
+                  <a:spcAft>
+                    <a:spcPts val="600"/>
+                  </a:spcAft>
+                  <a:buFont typeface="Arial" panose="020B0604020202020204" pitchFamily="34" charset="0"/>
+                  <a:buChar char="•"/>
+                </a:pPr>
+                <a:r>
+                  <a:rPr lang="en-US" sz="2600" dirty="0"/>
+                  <a:t>Compute Euclidian norm of </a:t>
+                </a:r>
+                <a14:m>
+                  <m:oMath xmlns:m="http://schemas.openxmlformats.org/officeDocument/2006/math">
+                    <m:sSub>
+                      <m:sSubPr>
+                        <m:ctrlPr>
+                          <a:rPr lang="en-US" sz="2600" i="1" smtClean="0">
+                            <a:latin typeface="Cambria Math" panose="02040503050406030204" pitchFamily="18" charset="0"/>
+                          </a:rPr>
+                        </m:ctrlPr>
+                      </m:sSubPr>
+                      <m:e>
+                        <m:r>
+                          <m:rPr>
+                            <m:sty m:val="p"/>
+                          </m:rPr>
+                          <a:rPr lang="en-US" sz="2600" b="0" i="0" smtClean="0">
+                            <a:latin typeface="Cambria Math" panose="02040503050406030204" pitchFamily="18" charset="0"/>
+                          </a:rPr>
+                          <m:t>y</m:t>
+                        </m:r>
+                      </m:e>
+                      <m:sub>
+                        <m:r>
+                          <a:rPr lang="en-US" sz="2600" b="0" i="1" smtClean="0">
+                            <a:latin typeface="Cambria Math" panose="02040503050406030204" pitchFamily="18" charset="0"/>
+                          </a:rPr>
+                          <m:t>𝑎</m:t>
+                        </m:r>
+                      </m:sub>
+                    </m:sSub>
+                  </m:oMath>
+                </a14:m>
+                <a:r>
+                  <a:rPr lang="en-US" sz="2600" dirty="0"/>
+                  <a:t> and </a:t>
+                </a:r>
+                <a14:m>
+                  <m:oMath xmlns:m="http://schemas.openxmlformats.org/officeDocument/2006/math">
+                    <m:sSub>
+                      <m:sSubPr>
+                        <m:ctrlPr>
+                          <a:rPr lang="en-US" sz="2600" i="1">
+                            <a:latin typeface="Cambria Math" panose="02040503050406030204" pitchFamily="18" charset="0"/>
+                          </a:rPr>
+                        </m:ctrlPr>
+                      </m:sSubPr>
+                      <m:e>
+                        <m:r>
+                          <m:rPr>
+                            <m:sty m:val="p"/>
+                          </m:rPr>
+                          <a:rPr lang="en-US" sz="2600">
+                            <a:latin typeface="Cambria Math" panose="02040503050406030204" pitchFamily="18" charset="0"/>
+                          </a:rPr>
+                          <m:t>y</m:t>
+                        </m:r>
+                      </m:e>
+                      <m:sub>
+                        <m:r>
+                          <a:rPr lang="en-US" sz="2600" b="0" i="1" smtClean="0">
+                            <a:latin typeface="Cambria Math" panose="02040503050406030204" pitchFamily="18" charset="0"/>
+                          </a:rPr>
+                          <m:t>𝑔</m:t>
+                        </m:r>
+                      </m:sub>
+                    </m:sSub>
+                  </m:oMath>
+                </a14:m>
+                <a:endParaRPr lang="en-US" sz="2600" b="0" i="0" dirty="0">
+                  <a:effectLst/>
+                </a:endParaRPr>
+              </a:p>
+              <a:p>
+                <a:pPr marL="1084263" lvl="1" indent="-457200">
+                  <a:spcBef>
+                    <a:spcPts val="600"/>
+                  </a:spcBef>
+                  <a:spcAft>
+                    <a:spcPts val="600"/>
+                  </a:spcAft>
+                  <a:buFont typeface="Arial" panose="020B0604020202020204" pitchFamily="34" charset="0"/>
+                  <a:buChar char="•"/>
+                </a:pPr>
+                <a:r>
+                  <a:rPr lang="en-US" sz="2600" b="0" i="0" dirty="0">
+                    <a:effectLst/>
+                  </a:rPr>
+                  <a:t>For </a:t>
+                </a:r>
+                <a14:m>
+                  <m:oMath xmlns:m="http://schemas.openxmlformats.org/officeDocument/2006/math">
+                    <m:sSub>
+                      <m:sSubPr>
+                        <m:ctrlPr>
+                          <a:rPr lang="en-US" sz="2600" i="1" smtClean="0">
+                            <a:latin typeface="Cambria Math" panose="02040503050406030204" pitchFamily="18" charset="0"/>
+                          </a:rPr>
+                        </m:ctrlPr>
+                      </m:sSubPr>
+                      <m:e>
+                        <m:r>
+                          <m:rPr>
+                            <m:sty m:val="p"/>
+                          </m:rPr>
+                          <a:rPr lang="en-US" sz="2600" b="0" i="0" smtClean="0">
+                            <a:latin typeface="Cambria Math" panose="02040503050406030204" pitchFamily="18" charset="0"/>
+                          </a:rPr>
+                          <m:t>y</m:t>
+                        </m:r>
+                      </m:e>
+                      <m:sub>
+                        <m:r>
+                          <a:rPr lang="en-US" sz="2600" b="0" i="1" smtClean="0">
+                            <a:latin typeface="Cambria Math" panose="02040503050406030204" pitchFamily="18" charset="0"/>
+                          </a:rPr>
+                          <m:t>𝑎</m:t>
+                        </m:r>
+                      </m:sub>
+                    </m:sSub>
+                  </m:oMath>
+                </a14:m>
+                <a:r>
+                  <a:rPr lang="en-US" sz="2600" dirty="0"/>
+                  <a:t>, length = 4 and threshold = 30</a:t>
+                </a:r>
+              </a:p>
+              <a:p>
+                <a:pPr marL="1084263" lvl="1" indent="-457200">
+                  <a:spcBef>
+                    <a:spcPts val="600"/>
+                  </a:spcBef>
+                  <a:spcAft>
+                    <a:spcPts val="600"/>
+                  </a:spcAft>
+                  <a:buFont typeface="Arial" panose="020B0604020202020204" pitchFamily="34" charset="0"/>
+                  <a:buChar char="•"/>
+                </a:pPr>
+                <a:r>
+                  <a:rPr lang="en-US" sz="2600" b="0" i="0" dirty="0">
+                    <a:effectLst/>
+                  </a:rPr>
+                  <a:t>For </a:t>
+                </a:r>
+                <a14:m>
+                  <m:oMath xmlns:m="http://schemas.openxmlformats.org/officeDocument/2006/math">
+                    <m:sSub>
+                      <m:sSubPr>
+                        <m:ctrlPr>
+                          <a:rPr lang="en-US" sz="2600" i="1" smtClean="0">
+                            <a:latin typeface="Cambria Math" panose="02040503050406030204" pitchFamily="18" charset="0"/>
+                          </a:rPr>
+                        </m:ctrlPr>
+                      </m:sSubPr>
+                      <m:e>
+                        <m:r>
+                          <m:rPr>
+                            <m:sty m:val="p"/>
+                          </m:rPr>
+                          <a:rPr lang="en-US" sz="2600" b="0" i="0" smtClean="0">
+                            <a:latin typeface="Cambria Math" panose="02040503050406030204" pitchFamily="18" charset="0"/>
+                          </a:rPr>
+                          <m:t>y</m:t>
+                        </m:r>
+                      </m:e>
+                      <m:sub>
+                        <m:r>
+                          <a:rPr lang="en-US" sz="2600" b="0" i="1" smtClean="0">
+                            <a:latin typeface="Cambria Math" panose="02040503050406030204" pitchFamily="18" charset="0"/>
+                          </a:rPr>
+                          <m:t>𝑔</m:t>
+                        </m:r>
+                      </m:sub>
+                    </m:sSub>
+                  </m:oMath>
+                </a14:m>
+                <a:r>
+                  <a:rPr lang="en-US" sz="2600" dirty="0"/>
+                  <a:t>, length = 4 and threshold = 8.5</a:t>
+                </a:r>
+              </a:p>
+              <a:p>
+                <a:pPr marL="1084263" lvl="1" indent="-457200">
+                  <a:spcBef>
+                    <a:spcPts val="600"/>
+                  </a:spcBef>
+                  <a:spcAft>
+                    <a:spcPts val="600"/>
+                  </a:spcAft>
+                  <a:buFont typeface="Arial" panose="020B0604020202020204" pitchFamily="34" charset="0"/>
+                  <a:buChar char="•"/>
+                </a:pPr>
+                <a:r>
+                  <a:rPr lang="en-US" sz="2600" b="0" i="0" dirty="0">
+                    <a:effectLst/>
+                  </a:rPr>
+                  <a:t>Com</a:t>
+                </a:r>
+                <a:r>
+                  <a:rPr lang="en-US" sz="2600" dirty="0"/>
+                  <a:t>bine detection results of </a:t>
+                </a:r>
+                <a14:m>
+                  <m:oMath xmlns:m="http://schemas.openxmlformats.org/officeDocument/2006/math">
+                    <m:sSub>
+                      <m:sSubPr>
+                        <m:ctrlPr>
+                          <a:rPr lang="en-US" sz="2600" i="1" smtClean="0">
+                            <a:latin typeface="Cambria Math" panose="02040503050406030204" pitchFamily="18" charset="0"/>
+                          </a:rPr>
+                        </m:ctrlPr>
+                      </m:sSubPr>
+                      <m:e>
+                        <m:r>
+                          <m:rPr>
+                            <m:sty m:val="p"/>
+                          </m:rPr>
+                          <a:rPr lang="en-US" sz="2600" b="0" i="0" smtClean="0">
+                            <a:latin typeface="Cambria Math" panose="02040503050406030204" pitchFamily="18" charset="0"/>
+                          </a:rPr>
+                          <m:t>y</m:t>
+                        </m:r>
+                      </m:e>
+                      <m:sub>
+                        <m:r>
+                          <a:rPr lang="en-US" sz="2600" b="0" i="1" smtClean="0">
+                            <a:latin typeface="Cambria Math" panose="02040503050406030204" pitchFamily="18" charset="0"/>
+                          </a:rPr>
+                          <m:t>𝑎</m:t>
+                        </m:r>
+                      </m:sub>
+                    </m:sSub>
+                  </m:oMath>
+                </a14:m>
+                <a:r>
+                  <a:rPr lang="en-US" sz="2600" b="0" i="0" dirty="0">
+                    <a:effectLst/>
+                  </a:rPr>
+                  <a:t> and </a:t>
+                </a:r>
+                <a14:m>
+                  <m:oMath xmlns:m="http://schemas.openxmlformats.org/officeDocument/2006/math">
+                    <m:sSub>
+                      <m:sSubPr>
+                        <m:ctrlPr>
+                          <a:rPr lang="en-US" sz="2600" i="1">
+                            <a:latin typeface="Cambria Math" panose="02040503050406030204" pitchFamily="18" charset="0"/>
+                          </a:rPr>
+                        </m:ctrlPr>
+                      </m:sSubPr>
+                      <m:e>
+                        <m:r>
+                          <m:rPr>
+                            <m:sty m:val="p"/>
+                          </m:rPr>
+                          <a:rPr lang="en-US" sz="2600">
+                            <a:latin typeface="Cambria Math" panose="02040503050406030204" pitchFamily="18" charset="0"/>
+                          </a:rPr>
+                          <m:t>y</m:t>
+                        </m:r>
+                      </m:e>
+                      <m:sub>
+                        <m:r>
+                          <a:rPr lang="en-US" sz="2600" b="0" i="1" smtClean="0">
+                            <a:latin typeface="Cambria Math" panose="02040503050406030204" pitchFamily="18" charset="0"/>
+                          </a:rPr>
+                          <m:t>𝑔</m:t>
+                        </m:r>
+                      </m:sub>
+                    </m:sSub>
+                  </m:oMath>
+                </a14:m>
+                <a:endParaRPr lang="en-US" sz="2600" b="0" i="0" dirty="0">
+                  <a:effectLst/>
+                </a:endParaRPr>
+              </a:p>
+              <a:p>
+                <a:pPr marL="227013" indent="0">
+                  <a:spcBef>
+                    <a:spcPts val="600"/>
+                  </a:spcBef>
+                  <a:spcAft>
+                    <a:spcPts val="600"/>
+                  </a:spcAft>
+                  <a:buNone/>
+                </a:pPr>
+                <a:endParaRPr lang="en-US" sz="2600" b="0" i="0" dirty="0">
+                  <a:effectLst/>
+                </a:endParaRPr>
+              </a:p>
+              <a:p>
+                <a:pPr marL="227013" indent="0">
+                  <a:lnSpc>
+                    <a:spcPct val="150000"/>
+                  </a:lnSpc>
+                  <a:spcBef>
+                    <a:spcPts val="600"/>
+                  </a:spcBef>
+                  <a:spcAft>
+                    <a:spcPts val="600"/>
+                  </a:spcAft>
+                  <a:buNone/>
+                </a:pPr>
+                <a:br>
+                  <a:rPr lang="en-US" sz="2600" dirty="0"/>
+                </a:br>
+                <a:endParaRPr lang="en-US" sz="2600" kern="100" dirty="0">
+                  <a:ea typeface="Malgun Gothic" panose="020B0503020000020004" pitchFamily="34" charset="-127"/>
+                </a:endParaRPr>
+              </a:p>
+              <a:p>
+                <a:pPr marL="227013" indent="0">
+                  <a:lnSpc>
+                    <a:spcPct val="150000"/>
+                  </a:lnSpc>
+                  <a:spcBef>
+                    <a:spcPts val="600"/>
+                  </a:spcBef>
+                  <a:spcAft>
+                    <a:spcPts val="600"/>
+                  </a:spcAft>
+                  <a:buFont typeface="Arial" charset="0"/>
+                  <a:buNone/>
+                </a:pPr>
+                <a:endParaRPr lang="en-US" sz="2600" kern="100" dirty="0">
+                  <a:ea typeface="Malgun Gothic" panose="020B0503020000020004" pitchFamily="34" charset="-127"/>
+                </a:endParaRPr>
+              </a:p>
+              <a:p>
+                <a:pPr marL="227013" indent="0">
+                  <a:lnSpc>
+                    <a:spcPct val="150000"/>
+                  </a:lnSpc>
+                  <a:spcBef>
+                    <a:spcPts val="600"/>
+                  </a:spcBef>
+                  <a:spcAft>
+                    <a:spcPts val="600"/>
+                  </a:spcAft>
+                  <a:buFont typeface="Arial" charset="0"/>
+                  <a:buNone/>
+                </a:pPr>
+                <a:endParaRPr lang="en-US" sz="2600" kern="100" dirty="0">
+                  <a:ea typeface="Malgun Gothic" panose="020B0503020000020004" pitchFamily="34" charset="-127"/>
+                </a:endParaRPr>
+              </a:p>
+            </p:txBody>
+          </p:sp>
+        </mc:Choice>
+        <mc:Fallback>
+          <p:sp>
+            <p:nvSpPr>
+              <p:cNvPr id="4" name="Content Placeholder 2">
+                <a:extLst>
+                  <a:ext uri="{FF2B5EF4-FFF2-40B4-BE49-F238E27FC236}">
+                    <a16:creationId xmlns:a16="http://schemas.microsoft.com/office/drawing/2014/main" id="{61A793FA-ECF9-9BE0-59A7-436F24F582F7}"/>
+                  </a:ext>
+                </a:extLst>
+              </p:cNvPr>
+              <p:cNvSpPr txBox="1">
+                <a:spLocks noRot="1" noChangeAspect="1" noMove="1" noResize="1" noEditPoints="1" noAdjustHandles="1" noChangeArrowheads="1" noChangeShapeType="1" noTextEdit="1"/>
+              </p:cNvSpPr>
+              <p:nvPr/>
+            </p:nvSpPr>
+            <p:spPr bwMode="auto">
+              <a:xfrm>
+                <a:off x="285709" y="1030414"/>
+                <a:ext cx="11620580" cy="5599552"/>
+              </a:xfrm>
+              <a:prstGeom prst="rect">
+                <a:avLst/>
+              </a:prstGeom>
+              <a:blipFill>
+                <a:blip r:embed="rId3"/>
+                <a:stretch>
+                  <a:fillRect t="-979"/>
+                </a:stretch>
+              </a:blipFill>
+              <a:ln w="9525">
+                <a:noFill/>
+                <a:miter lim="800000"/>
+                <a:headEnd/>
+                <a:tailEnd/>
+              </a:ln>
+            </p:spPr>
+            <p:txBody>
+              <a:bodyPr/>
+              <a:lstStyle/>
+              <a:p>
+                <a:r>
+                  <a:rPr lang="en-US">
+                    <a:noFill/>
+                  </a:rPr>
+                  <a:t> </a:t>
+                </a:r>
+              </a:p>
+            </p:txBody>
+          </p:sp>
+        </mc:Fallback>
+      </mc:AlternateContent>
     </p:spTree>
     <p:extLst>
       <p:ext uri="{BB962C8B-B14F-4D97-AF65-F5344CB8AC3E}">
@@ -9092,8 +12124,27 @@
                 <a:ea typeface="Calibri" panose="020F0502020204030204" pitchFamily="34" charset="0"/>
                 <a:cs typeface="Calibri" panose="020F0502020204030204" pitchFamily="34" charset="0"/>
               </a:rPr>
-              <a:t>Project 2</a:t>
+              <a:t>Project 2 – Results for </a:t>
             </a:r>
+            <a:r>
+              <a:rPr lang="en-US" sz="3000" dirty="0" err="1">
+                <a:solidFill>
+                  <a:srgbClr val="000000"/>
+                </a:solidFill>
+                <a:latin typeface="Calibri" panose="020F0502020204030204" pitchFamily="34" charset="0"/>
+                <a:ea typeface="Calibri" panose="020F0502020204030204" pitchFamily="34" charset="0"/>
+                <a:cs typeface="Calibri" panose="020F0502020204030204" pitchFamily="34" charset="0"/>
+              </a:rPr>
+              <a:t>running.mat</a:t>
+            </a:r>
+            <a:endParaRPr lang="en-US" sz="3000" dirty="0">
+              <a:solidFill>
+                <a:srgbClr val="000000"/>
+              </a:solidFill>
+              <a:latin typeface="Calibri" panose="020F0502020204030204" pitchFamily="34" charset="0"/>
+              <a:ea typeface="Calibri" panose="020F0502020204030204" pitchFamily="34" charset="0"/>
+              <a:cs typeface="Calibri" panose="020F0502020204030204" pitchFamily="34" charset="0"/>
+            </a:endParaRPr>
           </a:p>
         </p:txBody>
       </p:sp>
@@ -9374,8 +12425,8 @@
         </p:nvSpPr>
         <p:spPr>
           <a:xfrm>
-            <a:off x="438111" y="4778327"/>
-            <a:ext cx="11239578" cy="498663"/>
+            <a:off x="5266420" y="1073727"/>
+            <a:ext cx="6288271" cy="498663"/>
           </a:xfrm>
           <a:prstGeom prst="rect">
             <a:avLst/>
@@ -9400,7 +12451,7 @@
                 <a:latin typeface="Times New Roman" panose="02020603050405020304" pitchFamily="18" charset="0"/>
                 <a:cs typeface="Times New Roman" panose="02020603050405020304" pitchFamily="18" charset="0"/>
               </a:rPr>
-              <a:t>Total estimated running length is around 54 meters</a:t>
+              <a:t>Total estimated running length is around 53 meters</a:t>
             </a:r>
           </a:p>
         </p:txBody>
